--- a/版本管理工具.pptx
+++ b/版本管理工具.pptx
@@ -18,23 +18,23 @@
     <p:sldId id="275" r:id="rId7"/>
     <p:sldId id="276" r:id="rId8"/>
     <p:sldId id="277" r:id="rId9"/>
-    <p:sldId id="278" r:id="rId10"/>
-    <p:sldId id="280" r:id="rId11"/>
-    <p:sldId id="282" r:id="rId12"/>
-    <p:sldId id="281" r:id="rId13"/>
-    <p:sldId id="283" r:id="rId14"/>
-    <p:sldId id="284" r:id="rId15"/>
-    <p:sldId id="279" r:id="rId16"/>
-    <p:sldId id="285" r:id="rId17"/>
-    <p:sldId id="302" r:id="rId18"/>
-    <p:sldId id="286" r:id="rId19"/>
-    <p:sldId id="290" r:id="rId20"/>
-    <p:sldId id="291" r:id="rId21"/>
-    <p:sldId id="288" r:id="rId22"/>
-    <p:sldId id="287" r:id="rId23"/>
-    <p:sldId id="293" r:id="rId24"/>
-    <p:sldId id="294" r:id="rId25"/>
-    <p:sldId id="292" r:id="rId26"/>
+    <p:sldId id="304" r:id="rId10"/>
+    <p:sldId id="278" r:id="rId11"/>
+    <p:sldId id="280" r:id="rId12"/>
+    <p:sldId id="282" r:id="rId13"/>
+    <p:sldId id="281" r:id="rId14"/>
+    <p:sldId id="283" r:id="rId15"/>
+    <p:sldId id="284" r:id="rId16"/>
+    <p:sldId id="279" r:id="rId17"/>
+    <p:sldId id="285" r:id="rId18"/>
+    <p:sldId id="302" r:id="rId19"/>
+    <p:sldId id="286" r:id="rId20"/>
+    <p:sldId id="290" r:id="rId21"/>
+    <p:sldId id="291" r:id="rId22"/>
+    <p:sldId id="288" r:id="rId23"/>
+    <p:sldId id="287" r:id="rId24"/>
+    <p:sldId id="293" r:id="rId25"/>
+    <p:sldId id="294" r:id="rId26"/>
     <p:sldId id="295" r:id="rId27"/>
     <p:sldId id="297" r:id="rId28"/>
     <p:sldId id="296" r:id="rId29"/>
@@ -246,7 +246,7 @@
           <a:p>
             <a:fld id="{20EA5F0D-C1DC-412F-A146-DDB3A74B588F}" type="datetimeFigureOut">
               <a:rPr lang="en-US" altLang="zh-CN"/>
-              <a:t>8/23/2017</a:t>
+              <a:t>8/24/2017</a:t>
             </a:fld>
             <a:endParaRPr lang="zh-CN"/>
           </a:p>
@@ -410,7 +410,7 @@
           </a:lstStyle>
           <a:p>
             <a:fld id="{A8CDE508-72C8-4AB5-AA9C-1584D31690E0}" type="datetimeFigureOut">
-              <a:t>2017/8/23</a:t>
+              <a:t>2017/8/24</a:t>
             </a:fld>
             <a:endParaRPr lang="zh-CN"/>
           </a:p>
@@ -730,7 +730,7 @@
                 <a:ea typeface="+mn-ea"/>
                 <a:cs typeface="+mn-cs"/>
               </a:rPr>
-              <a:t>如果你是位图形或网页设计师，可能会需要保存某一幅图片或页面布局文件的所有修订版本（这或许是你非常渴望拥有的功能），采用版本控制系统（</a:t>
+              <a:t>平时写文档，设计系统，建立</a:t>
             </a:r>
             <a:r>
               <a:rPr lang="en-US" altLang="zh-CN" sz="1200" b="0" i="0" kern="1200" dirty="0" smtClean="0">
@@ -742,7 +742,7 @@
                 <a:ea typeface="+mn-ea"/>
                 <a:cs typeface="+mn-cs"/>
               </a:rPr>
-              <a:t>VCS</a:t>
+              <a:t>GIS</a:t>
             </a:r>
             <a:r>
               <a:rPr lang="zh-CN" altLang="en-US" sz="1200" b="0" i="0" kern="1200" dirty="0" smtClean="0">
@@ -754,7 +754,185 @@
                 <a:ea typeface="+mn-ea"/>
                 <a:cs typeface="+mn-cs"/>
               </a:rPr>
-              <a:t>）是个明智的选择。 有了它你就可以将某个文件回溯到之前的状态，甚至将整个项目都回退到过去某个时间点的状态，你可以比较文件的变化细节，查出最后是谁修改了哪个地方，从而找出导致怪异问题出现的原因，又是谁在何时报告了某个功能缺陷等等。 使用版本控制系统通常还意味着，就算你乱来一气把整个项目中的文件改的改删的删，你也照样可以轻松恢复到原先的样子。 但额外增加的工作量却微乎其微</a:t>
+              <a:t>数据库等操作，我们希望保留所有</a:t>
+            </a:r>
+            <a:r>
+              <a:rPr lang="zh-CN" altLang="en-US" sz="1200" b="0" i="0" kern="1200" dirty="0" smtClean="0">
+                <a:solidFill>
+                  <a:schemeClr val="tx1"/>
+                </a:solidFill>
+                <a:effectLst/>
+                <a:latin typeface="+mn-lt"/>
+                <a:ea typeface="+mn-ea"/>
+                <a:cs typeface="+mn-cs"/>
+              </a:rPr>
+              <a:t>修订</a:t>
+            </a:r>
+            <a:r>
+              <a:rPr lang="zh-CN" altLang="en-US" sz="1200" b="0" i="0" kern="1200" dirty="0" smtClean="0">
+                <a:solidFill>
+                  <a:schemeClr val="tx1"/>
+                </a:solidFill>
+                <a:effectLst/>
+                <a:latin typeface="+mn-lt"/>
+                <a:ea typeface="+mn-ea"/>
+                <a:cs typeface="+mn-cs"/>
+              </a:rPr>
+              <a:t>版本</a:t>
+            </a:r>
+            <a:endParaRPr lang="en-US" altLang="zh-CN" sz="1200" b="0" i="0" kern="1200" dirty="0" smtClean="0">
+              <a:solidFill>
+                <a:schemeClr val="tx1"/>
+              </a:solidFill>
+              <a:effectLst/>
+              <a:latin typeface="+mn-lt"/>
+              <a:ea typeface="+mn-ea"/>
+              <a:cs typeface="+mn-cs"/>
+            </a:endParaRPr>
+          </a:p>
+          <a:p>
+            <a:pPr marL="0" marR="0" lvl="0" indent="0" algn="l" defTabSz="914400" rtl="0" eaLnBrk="1" fontAlgn="auto" latinLnBrk="0" hangingPunct="1">
+              <a:lnSpc>
+                <a:spcPct val="100000"/>
+              </a:lnSpc>
+              <a:spcBef>
+                <a:spcPts val="0"/>
+              </a:spcBef>
+              <a:spcAft>
+                <a:spcPts val="0"/>
+              </a:spcAft>
+              <a:buClrTx/>
+              <a:buSzTx/>
+              <a:buFontTx/>
+              <a:buNone/>
+              <a:tabLst/>
+              <a:defRPr/>
+            </a:pPr>
+            <a:r>
+              <a:rPr lang="zh-CN" altLang="en-US" sz="1200" b="0" i="0" kern="1200" dirty="0" smtClean="0">
+                <a:solidFill>
+                  <a:schemeClr val="tx1"/>
+                </a:solidFill>
+                <a:effectLst/>
+                <a:latin typeface="+mn-lt"/>
+                <a:ea typeface="+mn-ea"/>
+                <a:cs typeface="+mn-cs"/>
+              </a:rPr>
+              <a:t>采用</a:t>
+            </a:r>
+            <a:r>
+              <a:rPr lang="zh-CN" altLang="en-US" sz="1200" b="0" i="0" kern="1200" dirty="0" smtClean="0">
+                <a:solidFill>
+                  <a:schemeClr val="tx1"/>
+                </a:solidFill>
+                <a:effectLst/>
+                <a:latin typeface="+mn-lt"/>
+                <a:ea typeface="+mn-ea"/>
+                <a:cs typeface="+mn-cs"/>
+              </a:rPr>
+              <a:t>版本控制</a:t>
+            </a:r>
+            <a:r>
+              <a:rPr lang="zh-CN" altLang="en-US" sz="1200" b="0" i="0" kern="1200" dirty="0" smtClean="0">
+                <a:solidFill>
+                  <a:schemeClr val="tx1"/>
+                </a:solidFill>
+                <a:effectLst/>
+                <a:latin typeface="+mn-lt"/>
+                <a:ea typeface="+mn-ea"/>
+                <a:cs typeface="+mn-cs"/>
+              </a:rPr>
+              <a:t>系统是个比较好的</a:t>
+            </a:r>
+            <a:r>
+              <a:rPr lang="zh-CN" altLang="en-US" sz="1200" b="0" i="0" kern="1200" dirty="0" smtClean="0">
+                <a:solidFill>
+                  <a:schemeClr val="tx1"/>
+                </a:solidFill>
+                <a:effectLst/>
+                <a:latin typeface="+mn-lt"/>
+                <a:ea typeface="+mn-ea"/>
+                <a:cs typeface="+mn-cs"/>
+              </a:rPr>
+              <a:t>选择</a:t>
+            </a:r>
+            <a:r>
+              <a:rPr lang="zh-CN" altLang="en-US" sz="1200" b="0" i="0" kern="1200" dirty="0" smtClean="0">
+                <a:solidFill>
+                  <a:schemeClr val="tx1"/>
+                </a:solidFill>
+                <a:effectLst/>
+                <a:latin typeface="+mn-lt"/>
+                <a:ea typeface="+mn-ea"/>
+                <a:cs typeface="+mn-cs"/>
+              </a:rPr>
+              <a:t>。</a:t>
+            </a:r>
+            <a:r>
+              <a:rPr lang="zh-CN" altLang="en-US" dirty="0" smtClean="0"/>
+              <a:t>通过文档控制，记录任何工程项目内各个模块的改动历程</a:t>
+            </a:r>
+            <a:endParaRPr lang="en-US" altLang="zh-CN" dirty="0" smtClean="0"/>
+          </a:p>
+          <a:p>
+            <a:r>
+              <a:rPr lang="zh-CN" altLang="en-US" sz="1200" b="0" i="0" kern="1200" dirty="0" smtClean="0">
+                <a:solidFill>
+                  <a:schemeClr val="tx1"/>
+                </a:solidFill>
+                <a:effectLst/>
+                <a:latin typeface="+mn-lt"/>
+                <a:ea typeface="+mn-ea"/>
+                <a:cs typeface="+mn-cs"/>
+              </a:rPr>
+              <a:t>有了</a:t>
+            </a:r>
+            <a:r>
+              <a:rPr lang="zh-CN" altLang="en-US" sz="1200" b="0" i="0" kern="1200" dirty="0" smtClean="0">
+                <a:solidFill>
+                  <a:schemeClr val="tx1"/>
+                </a:solidFill>
+                <a:effectLst/>
+                <a:latin typeface="+mn-lt"/>
+                <a:ea typeface="+mn-ea"/>
+                <a:cs typeface="+mn-cs"/>
+              </a:rPr>
+              <a:t>它你就可以将某个文件回溯到之前的状态，甚至将整个项目都回退到过去某个时间点的状态，你可以比较文件的变化细节，查出最后是谁修改了哪个地方，从而找出导致怪异问题出现的原因，又是谁在何时报告了某个功能缺陷等等。 </a:t>
+            </a:r>
+            <a:endParaRPr lang="en-US" altLang="zh-CN" sz="1200" b="0" i="0" kern="1200" dirty="0" smtClean="0">
+              <a:solidFill>
+                <a:schemeClr val="tx1"/>
+              </a:solidFill>
+              <a:effectLst/>
+              <a:latin typeface="+mn-lt"/>
+              <a:ea typeface="+mn-ea"/>
+              <a:cs typeface="+mn-cs"/>
+            </a:endParaRPr>
+          </a:p>
+          <a:p>
+            <a:r>
+              <a:rPr lang="zh-CN" altLang="en-US" sz="1200" b="0" i="0" kern="1200" dirty="0" smtClean="0">
+                <a:solidFill>
+                  <a:schemeClr val="tx1"/>
+                </a:solidFill>
+                <a:effectLst/>
+                <a:latin typeface="+mn-lt"/>
+                <a:ea typeface="+mn-ea"/>
+                <a:cs typeface="+mn-cs"/>
+              </a:rPr>
+              <a:t>使用</a:t>
+            </a:r>
+            <a:r>
+              <a:rPr lang="zh-CN" altLang="en-US" sz="1200" b="0" i="0" kern="1200" dirty="0" smtClean="0">
+                <a:solidFill>
+                  <a:schemeClr val="tx1"/>
+                </a:solidFill>
+                <a:effectLst/>
+                <a:latin typeface="+mn-lt"/>
+                <a:ea typeface="+mn-ea"/>
+                <a:cs typeface="+mn-cs"/>
+              </a:rPr>
+              <a:t>版本控制系统通常还意味着，就算你乱来一气把整个项目中的文件改的改删的删，你也照样可以轻松恢复到原先的样子。 但额外增加的工作量却微乎其微</a:t>
             </a:r>
             <a:endParaRPr lang="zh-CN" altLang="en-US" dirty="0"/>
           </a:p>
@@ -841,6 +1019,18 @@
           <a:lstStyle/>
           <a:p>
             <a:r>
+              <a:rPr lang="en-US" altLang="zh-CN" sz="1200" b="0" i="0" kern="1200" dirty="0" err="1" smtClean="0">
+                <a:solidFill>
+                  <a:schemeClr val="tx1"/>
+                </a:solidFill>
+                <a:effectLst/>
+                <a:latin typeface="+mn-lt"/>
+                <a:ea typeface="+mn-ea"/>
+                <a:cs typeface="+mn-cs"/>
+              </a:rPr>
+              <a:t>git</a:t>
+            </a:r>
+            <a:r>
               <a:rPr lang="zh-CN" altLang="en-US" sz="1200" b="0" i="0" kern="1200" dirty="0" smtClean="0">
                 <a:solidFill>
                   <a:schemeClr val="tx1"/>
@@ -850,197 +1040,7 @@
                 <a:ea typeface="+mn-ea"/>
                 <a:cs typeface="+mn-cs"/>
               </a:rPr>
-              <a:t>在 </a:t>
-            </a:r>
-            <a:r>
-              <a:rPr lang="en-US" altLang="zh-CN" sz="1200" b="0" i="0" kern="1200" dirty="0" err="1" smtClean="0">
-                <a:solidFill>
-                  <a:schemeClr val="tx1"/>
-                </a:solidFill>
-                <a:effectLst/>
-                <a:latin typeface="+mn-lt"/>
-                <a:ea typeface="+mn-ea"/>
-                <a:cs typeface="+mn-cs"/>
-              </a:rPr>
-              <a:t>Git</a:t>
-            </a:r>
-            <a:r>
-              <a:rPr lang="en-US" altLang="zh-CN" sz="1200" b="0" i="0" kern="1200" dirty="0" smtClean="0">
-                <a:solidFill>
-                  <a:schemeClr val="tx1"/>
-                </a:solidFill>
-                <a:effectLst/>
-                <a:latin typeface="+mn-lt"/>
-                <a:ea typeface="+mn-ea"/>
-                <a:cs typeface="+mn-cs"/>
-              </a:rPr>
-              <a:t> </a:t>
-            </a:r>
-            <a:r>
-              <a:rPr lang="zh-CN" altLang="en-US" sz="1200" b="0" i="0" kern="1200" dirty="0" smtClean="0">
-                <a:solidFill>
-                  <a:schemeClr val="tx1"/>
-                </a:solidFill>
-                <a:effectLst/>
-                <a:latin typeface="+mn-lt"/>
-                <a:ea typeface="+mn-ea"/>
-                <a:cs typeface="+mn-cs"/>
-              </a:rPr>
-              <a:t>中的绝大多数操作都只需要访问本地文件和资源，一般不需要来自网络上其它计算机的信息。 如果你习惯于所有操作都有网络延时开销的集中式版本控制系统，</a:t>
-            </a:r>
-            <a:r>
-              <a:rPr lang="en-US" altLang="zh-CN" sz="1200" b="0" i="0" kern="1200" dirty="0" err="1" smtClean="0">
-                <a:solidFill>
-                  <a:schemeClr val="tx1"/>
-                </a:solidFill>
-                <a:effectLst/>
-                <a:latin typeface="+mn-lt"/>
-                <a:ea typeface="+mn-ea"/>
-                <a:cs typeface="+mn-cs"/>
-              </a:rPr>
-              <a:t>Git</a:t>
-            </a:r>
-            <a:r>
-              <a:rPr lang="en-US" altLang="zh-CN" sz="1200" b="0" i="0" kern="1200" dirty="0" smtClean="0">
-                <a:solidFill>
-                  <a:schemeClr val="tx1"/>
-                </a:solidFill>
-                <a:effectLst/>
-                <a:latin typeface="+mn-lt"/>
-                <a:ea typeface="+mn-ea"/>
-                <a:cs typeface="+mn-cs"/>
-              </a:rPr>
-              <a:t> </a:t>
-            </a:r>
-            <a:r>
-              <a:rPr lang="zh-CN" altLang="en-US" sz="1200" b="0" i="0" kern="1200" dirty="0" smtClean="0">
-                <a:solidFill>
-                  <a:schemeClr val="tx1"/>
-                </a:solidFill>
-                <a:effectLst/>
-                <a:latin typeface="+mn-lt"/>
-                <a:ea typeface="+mn-ea"/>
-                <a:cs typeface="+mn-cs"/>
-              </a:rPr>
-              <a:t>在这方面会让你感到速度之神赐给了 </a:t>
-            </a:r>
-            <a:r>
-              <a:rPr lang="en-US" altLang="zh-CN" sz="1200" b="0" i="0" kern="1200" dirty="0" err="1" smtClean="0">
-                <a:solidFill>
-                  <a:schemeClr val="tx1"/>
-                </a:solidFill>
-                <a:effectLst/>
-                <a:latin typeface="+mn-lt"/>
-                <a:ea typeface="+mn-ea"/>
-                <a:cs typeface="+mn-cs"/>
-              </a:rPr>
-              <a:t>Git</a:t>
-            </a:r>
-            <a:r>
-              <a:rPr lang="en-US" altLang="zh-CN" sz="1200" b="0" i="0" kern="1200" dirty="0" smtClean="0">
-                <a:solidFill>
-                  <a:schemeClr val="tx1"/>
-                </a:solidFill>
-                <a:effectLst/>
-                <a:latin typeface="+mn-lt"/>
-                <a:ea typeface="+mn-ea"/>
-                <a:cs typeface="+mn-cs"/>
-              </a:rPr>
-              <a:t> </a:t>
-            </a:r>
-            <a:r>
-              <a:rPr lang="zh-CN" altLang="en-US" sz="1200" b="0" i="0" kern="1200" dirty="0" smtClean="0">
-                <a:solidFill>
-                  <a:schemeClr val="tx1"/>
-                </a:solidFill>
-                <a:effectLst/>
-                <a:latin typeface="+mn-lt"/>
-                <a:ea typeface="+mn-ea"/>
-                <a:cs typeface="+mn-cs"/>
-              </a:rPr>
-              <a:t>超凡的能量。 因为你在本地磁盘上就有项目的完整历史，所以大部分操作看起来瞬间完成。</a:t>
-            </a:r>
-            <a:endParaRPr lang="en-US" altLang="zh-CN" sz="1200" b="0" i="0" kern="1200" dirty="0" smtClean="0">
-              <a:solidFill>
-                <a:schemeClr val="tx1"/>
-              </a:solidFill>
-              <a:effectLst/>
-              <a:latin typeface="+mn-lt"/>
-              <a:ea typeface="+mn-ea"/>
-              <a:cs typeface="+mn-cs"/>
-            </a:endParaRPr>
-          </a:p>
-          <a:p>
-            <a:endParaRPr lang="en-US" altLang="zh-CN" sz="1200" b="0" i="0" kern="1200" dirty="0" smtClean="0">
-              <a:solidFill>
-                <a:schemeClr val="tx1"/>
-              </a:solidFill>
-              <a:effectLst/>
-              <a:latin typeface="+mn-lt"/>
-              <a:ea typeface="+mn-ea"/>
-              <a:cs typeface="+mn-cs"/>
-            </a:endParaRPr>
-          </a:p>
-          <a:p>
-            <a:r>
-              <a:rPr lang="zh-CN" altLang="en-US" sz="1200" b="0" i="0" kern="1200" dirty="0" smtClean="0">
-                <a:solidFill>
-                  <a:schemeClr val="tx1"/>
-                </a:solidFill>
-                <a:effectLst/>
-                <a:latin typeface="+mn-lt"/>
-                <a:ea typeface="+mn-ea"/>
-                <a:cs typeface="+mn-cs"/>
-              </a:rPr>
-              <a:t>这也意味着你离线或者没有 </a:t>
-            </a:r>
-            <a:r>
-              <a:rPr lang="en-US" altLang="zh-CN" sz="1200" b="0" i="0" kern="1200" dirty="0" smtClean="0">
-                <a:solidFill>
-                  <a:schemeClr val="tx1"/>
-                </a:solidFill>
-                <a:effectLst/>
-                <a:latin typeface="+mn-lt"/>
-                <a:ea typeface="+mn-ea"/>
-                <a:cs typeface="+mn-cs"/>
-              </a:rPr>
-              <a:t>VPN </a:t>
-            </a:r>
-            <a:r>
-              <a:rPr lang="zh-CN" altLang="en-US" sz="1200" b="0" i="0" kern="1200" dirty="0" smtClean="0">
-                <a:solidFill>
-                  <a:schemeClr val="tx1"/>
-                </a:solidFill>
-                <a:effectLst/>
-                <a:latin typeface="+mn-lt"/>
-                <a:ea typeface="+mn-ea"/>
-                <a:cs typeface="+mn-cs"/>
-              </a:rPr>
-              <a:t>时，几乎可以进行任何操作。 如你在飞机或火车上想做些工作，你能愉快地提交，直到有网络连接时再上传。 如你回家后 </a:t>
-            </a:r>
-            <a:r>
-              <a:rPr lang="en-US" altLang="zh-CN" sz="1200" b="0" i="0" kern="1200" dirty="0" smtClean="0">
-                <a:solidFill>
-                  <a:schemeClr val="tx1"/>
-                </a:solidFill>
-                <a:effectLst/>
-                <a:latin typeface="+mn-lt"/>
-                <a:ea typeface="+mn-ea"/>
-                <a:cs typeface="+mn-cs"/>
-              </a:rPr>
-              <a:t>VPN </a:t>
-            </a:r>
-            <a:r>
-              <a:rPr lang="zh-CN" altLang="en-US" sz="1200" b="0" i="0" kern="1200" dirty="0" smtClean="0">
-                <a:solidFill>
-                  <a:schemeClr val="tx1"/>
-                </a:solidFill>
-                <a:effectLst/>
-                <a:latin typeface="+mn-lt"/>
-                <a:ea typeface="+mn-ea"/>
-                <a:cs typeface="+mn-cs"/>
-              </a:rPr>
-              <a:t>客户端不正常，你仍能工作。</a:t>
+              <a:t>：本意为混帐。</a:t>
             </a:r>
             <a:endParaRPr lang="zh-CN" altLang="en-US" dirty="0"/>
           </a:p>
@@ -1072,7 +1072,7 @@
     </p:spTree>
     <p:extLst>
       <p:ext uri="{BB962C8B-B14F-4D97-AF65-F5344CB8AC3E}">
-        <p14:creationId xmlns:p14="http://schemas.microsoft.com/office/powerpoint/2010/main" val="631516949"/>
+        <p14:creationId xmlns:p14="http://schemas.microsoft.com/office/powerpoint/2010/main" val="641129721"/>
       </p:ext>
     </p:extLst>
   </p:cSld>
@@ -1127,6 +1127,18 @@
           <a:lstStyle/>
           <a:p>
             <a:r>
+              <a:rPr lang="zh-CN" altLang="en-US" sz="1200" b="0" i="0" kern="1200" dirty="0" smtClean="0">
+                <a:solidFill>
+                  <a:schemeClr val="tx1"/>
+                </a:solidFill>
+                <a:effectLst/>
+                <a:latin typeface="+mn-lt"/>
+                <a:ea typeface="+mn-ea"/>
+                <a:cs typeface="+mn-cs"/>
+              </a:rPr>
+              <a:t>在 </a:t>
+            </a:r>
+            <a:r>
               <a:rPr lang="en-US" altLang="zh-CN" sz="1200" b="0" i="0" kern="1200" dirty="0" err="1" smtClean="0">
                 <a:solidFill>
                   <a:schemeClr val="tx1"/>
@@ -1160,7 +1172,7 @@
                 <a:ea typeface="+mn-ea"/>
                 <a:cs typeface="+mn-cs"/>
               </a:rPr>
-              <a:t>中所有数据在存储前都计算校验和，然后以校验和来引用。 这意味着不可能在 </a:t>
+              <a:t>中的绝大多数操作都只需要访问本地文件和资源，一般不需要来自网络上其它计算机的信息。 </a:t>
             </a:r>
             <a:r>
               <a:rPr lang="en-US" altLang="zh-CN" sz="1200" b="0" i="0" kern="1200" dirty="0" err="1" smtClean="0">
@@ -1196,7 +1208,7 @@
                 <a:ea typeface="+mn-ea"/>
                 <a:cs typeface="+mn-cs"/>
               </a:rPr>
-              <a:t>不知情时更改任何文件内容或目录内容。 这个功能建构在 </a:t>
+              <a:t>在这方面会让你感到速度之神赐给了 </a:t>
             </a:r>
             <a:r>
               <a:rPr lang="en-US" altLang="zh-CN" sz="1200" b="0" i="0" kern="1200" dirty="0" err="1" smtClean="0">
@@ -1232,10 +1244,32 @@
                 <a:ea typeface="+mn-ea"/>
                 <a:cs typeface="+mn-cs"/>
               </a:rPr>
-              <a:t>底层，是构成 </a:t>
-            </a:r>
-            <a:r>
-              <a:rPr lang="en-US" altLang="zh-CN" sz="1200" b="0" i="0" kern="1200" dirty="0" err="1" smtClean="0">
+              <a:t>超凡的能量。 因为你在本地磁盘上就有项目的完整历史，所以大部分操作看起来瞬间完成。</a:t>
+            </a:r>
+            <a:endParaRPr lang="en-US" altLang="zh-CN" sz="1200" b="0" i="0" kern="1200" dirty="0" smtClean="0">
+              <a:solidFill>
+                <a:schemeClr val="tx1"/>
+              </a:solidFill>
+              <a:effectLst/>
+              <a:latin typeface="+mn-lt"/>
+              <a:ea typeface="+mn-ea"/>
+              <a:cs typeface="+mn-cs"/>
+            </a:endParaRPr>
+          </a:p>
+          <a:p>
+            <a:endParaRPr lang="en-US" altLang="zh-CN" sz="1200" b="0" i="0" kern="1200" dirty="0" smtClean="0">
+              <a:solidFill>
+                <a:schemeClr val="tx1"/>
+              </a:solidFill>
+              <a:effectLst/>
+              <a:latin typeface="+mn-lt"/>
+              <a:ea typeface="+mn-ea"/>
+              <a:cs typeface="+mn-cs"/>
+            </a:endParaRPr>
+          </a:p>
+          <a:p>
+            <a:r>
+              <a:rPr lang="zh-CN" altLang="en-US" sz="1200" b="0" i="0" kern="1200" dirty="0" smtClean="0">
                 <a:solidFill>
                   <a:schemeClr val="tx1"/>
                 </a:solidFill>
@@ -1244,7 +1278,7 @@
                 <a:ea typeface="+mn-ea"/>
                 <a:cs typeface="+mn-cs"/>
               </a:rPr>
-              <a:t>Git</a:t>
+              <a:t>这也意味着你离线或者没有 </a:t>
             </a:r>
             <a:r>
               <a:rPr lang="en-US" altLang="zh-CN" sz="1200" b="0" i="0" kern="1200" dirty="0" smtClean="0">
@@ -1256,7 +1290,7 @@
                 <a:ea typeface="+mn-ea"/>
                 <a:cs typeface="+mn-cs"/>
               </a:rPr>
-              <a:t> </a:t>
+              <a:t>VPN </a:t>
             </a:r>
             <a:r>
               <a:rPr lang="zh-CN" altLang="en-US" sz="1200" b="0" i="0" kern="1200" dirty="0" smtClean="0">
@@ -1268,19 +1302,7 @@
                 <a:ea typeface="+mn-ea"/>
                 <a:cs typeface="+mn-cs"/>
               </a:rPr>
-              <a:t>哲学不可或缺的部分。 若你在传送过程中丢失信息或损坏文件，</a:t>
-            </a:r>
-            <a:r>
-              <a:rPr lang="en-US" altLang="zh-CN" sz="1200" b="0" i="0" kern="1200" dirty="0" err="1" smtClean="0">
-                <a:solidFill>
-                  <a:schemeClr val="tx1"/>
-                </a:solidFill>
-                <a:effectLst/>
-                <a:latin typeface="+mn-lt"/>
-                <a:ea typeface="+mn-ea"/>
-                <a:cs typeface="+mn-cs"/>
-              </a:rPr>
-              <a:t>Git</a:t>
+              <a:t>时，几乎可以进行任何操作。 如你在飞机或火车上想做些工作，你能愉快地提交，直到有网络连接时再上传。 如你回家后 </a:t>
             </a:r>
             <a:r>
               <a:rPr lang="en-US" altLang="zh-CN" sz="1200" b="0" i="0" kern="1200" dirty="0" smtClean="0">
@@ -1292,7 +1314,7 @@
                 <a:ea typeface="+mn-ea"/>
                 <a:cs typeface="+mn-cs"/>
               </a:rPr>
-              <a:t> </a:t>
+              <a:t>VPN </a:t>
             </a:r>
             <a:r>
               <a:rPr lang="zh-CN" altLang="en-US" sz="1200" b="0" i="0" kern="1200" dirty="0" smtClean="0">
@@ -1304,102 +1326,7 @@
                 <a:ea typeface="+mn-ea"/>
                 <a:cs typeface="+mn-cs"/>
               </a:rPr>
-              <a:t>就能发现。</a:t>
-            </a:r>
-            <a:endParaRPr lang="en-US" altLang="zh-CN" sz="1200" b="0" i="0" kern="1200" dirty="0" smtClean="0">
-              <a:solidFill>
-                <a:schemeClr val="tx1"/>
-              </a:solidFill>
-              <a:effectLst/>
-              <a:latin typeface="+mn-lt"/>
-              <a:ea typeface="+mn-ea"/>
-              <a:cs typeface="+mn-cs"/>
-            </a:endParaRPr>
-          </a:p>
-          <a:p>
-            <a:r>
-              <a:rPr lang="zh-CN" altLang="en-US" sz="1200" b="0" i="0" kern="1200" dirty="0" smtClean="0">
-                <a:solidFill>
-                  <a:schemeClr val="tx1"/>
-                </a:solidFill>
-                <a:effectLst/>
-                <a:latin typeface="+mn-lt"/>
-                <a:ea typeface="+mn-ea"/>
-                <a:cs typeface="+mn-cs"/>
-              </a:rPr>
-              <a:t>但是一旦你提交快照到 </a:t>
-            </a:r>
-            <a:r>
-              <a:rPr lang="en-US" altLang="zh-CN" sz="1200" b="0" i="0" kern="1200" dirty="0" err="1" smtClean="0">
-                <a:solidFill>
-                  <a:schemeClr val="tx1"/>
-                </a:solidFill>
-                <a:effectLst/>
-                <a:latin typeface="+mn-lt"/>
-                <a:ea typeface="+mn-ea"/>
-                <a:cs typeface="+mn-cs"/>
-              </a:rPr>
-              <a:t>Git</a:t>
-            </a:r>
-            <a:r>
-              <a:rPr lang="en-US" altLang="zh-CN" sz="1200" b="0" i="0" kern="1200" dirty="0" smtClean="0">
-                <a:solidFill>
-                  <a:schemeClr val="tx1"/>
-                </a:solidFill>
-                <a:effectLst/>
-                <a:latin typeface="+mn-lt"/>
-                <a:ea typeface="+mn-ea"/>
-                <a:cs typeface="+mn-cs"/>
-              </a:rPr>
-              <a:t> </a:t>
-            </a:r>
-            <a:r>
-              <a:rPr lang="zh-CN" altLang="en-US" sz="1200" b="0" i="0" kern="1200" dirty="0" smtClean="0">
-                <a:solidFill>
-                  <a:schemeClr val="tx1"/>
-                </a:solidFill>
-                <a:effectLst/>
-                <a:latin typeface="+mn-lt"/>
-                <a:ea typeface="+mn-ea"/>
-                <a:cs typeface="+mn-cs"/>
-              </a:rPr>
-              <a:t>中，就难以再丢失数据，这使得我们使用 </a:t>
-            </a:r>
-            <a:r>
-              <a:rPr lang="en-US" altLang="zh-CN" sz="1200" b="0" i="0" kern="1200" dirty="0" err="1" smtClean="0">
-                <a:solidFill>
-                  <a:schemeClr val="tx1"/>
-                </a:solidFill>
-                <a:effectLst/>
-                <a:latin typeface="+mn-lt"/>
-                <a:ea typeface="+mn-ea"/>
-                <a:cs typeface="+mn-cs"/>
-              </a:rPr>
-              <a:t>Git</a:t>
-            </a:r>
-            <a:r>
-              <a:rPr lang="en-US" altLang="zh-CN" sz="1200" b="0" i="0" kern="1200" dirty="0" smtClean="0">
-                <a:solidFill>
-                  <a:schemeClr val="tx1"/>
-                </a:solidFill>
-                <a:effectLst/>
-                <a:latin typeface="+mn-lt"/>
-                <a:ea typeface="+mn-ea"/>
-                <a:cs typeface="+mn-cs"/>
-              </a:rPr>
-              <a:t> </a:t>
-            </a:r>
-            <a:r>
-              <a:rPr lang="zh-CN" altLang="en-US" sz="1200" b="0" i="0" kern="1200" dirty="0" smtClean="0">
-                <a:solidFill>
-                  <a:schemeClr val="tx1"/>
-                </a:solidFill>
-                <a:effectLst/>
-                <a:latin typeface="+mn-lt"/>
-                <a:ea typeface="+mn-ea"/>
-                <a:cs typeface="+mn-cs"/>
-              </a:rPr>
-              <a:t>成为一个安心愉悦的过程，因为我们深知可以尽情做各种尝试，而没有把事情弄糟的危险</a:t>
+              <a:t>客户端不正常，你仍能工作。</a:t>
             </a:r>
             <a:endParaRPr lang="zh-CN" altLang="en-US" dirty="0"/>
           </a:p>
@@ -1431,7 +1358,7 @@
     </p:spTree>
     <p:extLst>
       <p:ext uri="{BB962C8B-B14F-4D97-AF65-F5344CB8AC3E}">
-        <p14:creationId xmlns:p14="http://schemas.microsoft.com/office/powerpoint/2010/main" val="3805765659"/>
+        <p14:creationId xmlns:p14="http://schemas.microsoft.com/office/powerpoint/2010/main" val="631516949"/>
       </p:ext>
     </p:extLst>
   </p:cSld>
@@ -1486,46 +1413,6 @@
           <a:lstStyle/>
           <a:p>
             <a:r>
-              <a:rPr lang="zh-CN" altLang="en-US" sz="1200" b="0" i="0" kern="1200" dirty="0" smtClean="0">
-                <a:solidFill>
-                  <a:schemeClr val="tx1"/>
-                </a:solidFill>
-                <a:effectLst/>
-                <a:latin typeface="+mn-lt"/>
-                <a:ea typeface="+mn-ea"/>
-                <a:cs typeface="+mn-cs"/>
-              </a:rPr>
-              <a:t>在工作目录中修改文件。</a:t>
-            </a:r>
-          </a:p>
-          <a:p>
-            <a:r>
-              <a:rPr lang="zh-CN" altLang="en-US" sz="1200" b="0" i="0" kern="1200" dirty="0" smtClean="0">
-                <a:solidFill>
-                  <a:schemeClr val="tx1"/>
-                </a:solidFill>
-                <a:effectLst/>
-                <a:latin typeface="+mn-lt"/>
-                <a:ea typeface="+mn-ea"/>
-                <a:cs typeface="+mn-cs"/>
-              </a:rPr>
-              <a:t>暂存文件，将文件的快照放入暂存区域。</a:t>
-            </a:r>
-          </a:p>
-          <a:p>
-            <a:r>
-              <a:rPr lang="zh-CN" altLang="en-US" sz="1200" b="0" i="0" kern="1200" dirty="0" smtClean="0">
-                <a:solidFill>
-                  <a:schemeClr val="tx1"/>
-                </a:solidFill>
-                <a:effectLst/>
-                <a:latin typeface="+mn-lt"/>
-                <a:ea typeface="+mn-ea"/>
-                <a:cs typeface="+mn-cs"/>
-              </a:rPr>
-              <a:t>提交更新，找到暂存区域的文件，将快照永久性存储到 </a:t>
-            </a:r>
-            <a:r>
               <a:rPr lang="en-US" altLang="zh-CN" sz="1200" b="0" i="0" kern="1200" dirty="0" err="1" smtClean="0">
                 <a:solidFill>
                   <a:schemeClr val="tx1"/>
@@ -1559,10 +1446,247 @@
                 <a:ea typeface="+mn-ea"/>
                 <a:cs typeface="+mn-cs"/>
               </a:rPr>
-              <a:t>仓库目录。</a:t>
-            </a:r>
-          </a:p>
-          <a:p>
+              <a:t>中所有数据在存储前都计算校验和，然后以校验和来引用。 这意味着不可能在 </a:t>
+            </a:r>
+            <a:r>
+              <a:rPr lang="en-US" altLang="zh-CN" sz="1200" b="0" i="0" kern="1200" dirty="0" err="1" smtClean="0">
+                <a:solidFill>
+                  <a:schemeClr val="tx1"/>
+                </a:solidFill>
+                <a:effectLst/>
+                <a:latin typeface="+mn-lt"/>
+                <a:ea typeface="+mn-ea"/>
+                <a:cs typeface="+mn-cs"/>
+              </a:rPr>
+              <a:t>Git</a:t>
+            </a:r>
+            <a:r>
+              <a:rPr lang="en-US" altLang="zh-CN" sz="1200" b="0" i="0" kern="1200" dirty="0" smtClean="0">
+                <a:solidFill>
+                  <a:schemeClr val="tx1"/>
+                </a:solidFill>
+                <a:effectLst/>
+                <a:latin typeface="+mn-lt"/>
+                <a:ea typeface="+mn-ea"/>
+                <a:cs typeface="+mn-cs"/>
+              </a:rPr>
+              <a:t> </a:t>
+            </a:r>
+            <a:r>
+              <a:rPr lang="zh-CN" altLang="en-US" sz="1200" b="0" i="0" kern="1200" dirty="0" smtClean="0">
+                <a:solidFill>
+                  <a:schemeClr val="tx1"/>
+                </a:solidFill>
+                <a:effectLst/>
+                <a:latin typeface="+mn-lt"/>
+                <a:ea typeface="+mn-ea"/>
+                <a:cs typeface="+mn-cs"/>
+              </a:rPr>
+              <a:t>不知情时更改任何文件内容或目录内容。 这个功能建构在 </a:t>
+            </a:r>
+            <a:r>
+              <a:rPr lang="en-US" altLang="zh-CN" sz="1200" b="0" i="0" kern="1200" dirty="0" err="1" smtClean="0">
+                <a:solidFill>
+                  <a:schemeClr val="tx1"/>
+                </a:solidFill>
+                <a:effectLst/>
+                <a:latin typeface="+mn-lt"/>
+                <a:ea typeface="+mn-ea"/>
+                <a:cs typeface="+mn-cs"/>
+              </a:rPr>
+              <a:t>Git</a:t>
+            </a:r>
+            <a:r>
+              <a:rPr lang="en-US" altLang="zh-CN" sz="1200" b="0" i="0" kern="1200" dirty="0" smtClean="0">
+                <a:solidFill>
+                  <a:schemeClr val="tx1"/>
+                </a:solidFill>
+                <a:effectLst/>
+                <a:latin typeface="+mn-lt"/>
+                <a:ea typeface="+mn-ea"/>
+                <a:cs typeface="+mn-cs"/>
+              </a:rPr>
+              <a:t> </a:t>
+            </a:r>
+            <a:r>
+              <a:rPr lang="zh-CN" altLang="en-US" sz="1200" b="0" i="0" kern="1200" dirty="0" smtClean="0">
+                <a:solidFill>
+                  <a:schemeClr val="tx1"/>
+                </a:solidFill>
+                <a:effectLst/>
+                <a:latin typeface="+mn-lt"/>
+                <a:ea typeface="+mn-ea"/>
+                <a:cs typeface="+mn-cs"/>
+              </a:rPr>
+              <a:t>底层，是构成 </a:t>
+            </a:r>
+            <a:r>
+              <a:rPr lang="en-US" altLang="zh-CN" sz="1200" b="0" i="0" kern="1200" dirty="0" err="1" smtClean="0">
+                <a:solidFill>
+                  <a:schemeClr val="tx1"/>
+                </a:solidFill>
+                <a:effectLst/>
+                <a:latin typeface="+mn-lt"/>
+                <a:ea typeface="+mn-ea"/>
+                <a:cs typeface="+mn-cs"/>
+              </a:rPr>
+              <a:t>Git</a:t>
+            </a:r>
+            <a:r>
+              <a:rPr lang="en-US" altLang="zh-CN" sz="1200" b="0" i="0" kern="1200" dirty="0" smtClean="0">
+                <a:solidFill>
+                  <a:schemeClr val="tx1"/>
+                </a:solidFill>
+                <a:effectLst/>
+                <a:latin typeface="+mn-lt"/>
+                <a:ea typeface="+mn-ea"/>
+                <a:cs typeface="+mn-cs"/>
+              </a:rPr>
+              <a:t> </a:t>
+            </a:r>
+            <a:r>
+              <a:rPr lang="zh-CN" altLang="en-US" sz="1200" b="0" i="0" kern="1200" dirty="0" smtClean="0">
+                <a:solidFill>
+                  <a:schemeClr val="tx1"/>
+                </a:solidFill>
+                <a:effectLst/>
+                <a:latin typeface="+mn-lt"/>
+                <a:ea typeface="+mn-ea"/>
+                <a:cs typeface="+mn-cs"/>
+              </a:rPr>
+              <a:t>哲学不可或缺的部分。 若你在传送过程中丢失信息或损坏文件，</a:t>
+            </a:r>
+            <a:r>
+              <a:rPr lang="en-US" altLang="zh-CN" sz="1200" b="0" i="0" kern="1200" dirty="0" err="1" smtClean="0">
+                <a:solidFill>
+                  <a:schemeClr val="tx1"/>
+                </a:solidFill>
+                <a:effectLst/>
+                <a:latin typeface="+mn-lt"/>
+                <a:ea typeface="+mn-ea"/>
+                <a:cs typeface="+mn-cs"/>
+              </a:rPr>
+              <a:t>Git</a:t>
+            </a:r>
+            <a:r>
+              <a:rPr lang="en-US" altLang="zh-CN" sz="1200" b="0" i="0" kern="1200" dirty="0" smtClean="0">
+                <a:solidFill>
+                  <a:schemeClr val="tx1"/>
+                </a:solidFill>
+                <a:effectLst/>
+                <a:latin typeface="+mn-lt"/>
+                <a:ea typeface="+mn-ea"/>
+                <a:cs typeface="+mn-cs"/>
+              </a:rPr>
+              <a:t> </a:t>
+            </a:r>
+            <a:r>
+              <a:rPr lang="zh-CN" altLang="en-US" sz="1200" b="0" i="0" kern="1200" dirty="0" smtClean="0">
+                <a:solidFill>
+                  <a:schemeClr val="tx1"/>
+                </a:solidFill>
+                <a:effectLst/>
+                <a:latin typeface="+mn-lt"/>
+                <a:ea typeface="+mn-ea"/>
+                <a:cs typeface="+mn-cs"/>
+              </a:rPr>
+              <a:t>就能发现。</a:t>
+            </a:r>
+            <a:endParaRPr lang="en-US" altLang="zh-CN" sz="1200" b="0" i="0" kern="1200" dirty="0" smtClean="0">
+              <a:solidFill>
+                <a:schemeClr val="tx1"/>
+              </a:solidFill>
+              <a:effectLst/>
+              <a:latin typeface="+mn-lt"/>
+              <a:ea typeface="+mn-ea"/>
+              <a:cs typeface="+mn-cs"/>
+            </a:endParaRPr>
+          </a:p>
+          <a:p>
+            <a:r>
+              <a:rPr lang="zh-CN" altLang="en-US" sz="1200" b="0" i="0" kern="1200" dirty="0" smtClean="0">
+                <a:solidFill>
+                  <a:schemeClr val="tx1"/>
+                </a:solidFill>
+                <a:effectLst/>
+                <a:latin typeface="+mn-lt"/>
+                <a:ea typeface="+mn-ea"/>
+                <a:cs typeface="+mn-cs"/>
+              </a:rPr>
+              <a:t>但是一旦你提交快照到 </a:t>
+            </a:r>
+            <a:r>
+              <a:rPr lang="en-US" altLang="zh-CN" sz="1200" b="0" i="0" kern="1200" dirty="0" err="1" smtClean="0">
+                <a:solidFill>
+                  <a:schemeClr val="tx1"/>
+                </a:solidFill>
+                <a:effectLst/>
+                <a:latin typeface="+mn-lt"/>
+                <a:ea typeface="+mn-ea"/>
+                <a:cs typeface="+mn-cs"/>
+              </a:rPr>
+              <a:t>Git</a:t>
+            </a:r>
+            <a:r>
+              <a:rPr lang="en-US" altLang="zh-CN" sz="1200" b="0" i="0" kern="1200" dirty="0" smtClean="0">
+                <a:solidFill>
+                  <a:schemeClr val="tx1"/>
+                </a:solidFill>
+                <a:effectLst/>
+                <a:latin typeface="+mn-lt"/>
+                <a:ea typeface="+mn-ea"/>
+                <a:cs typeface="+mn-cs"/>
+              </a:rPr>
+              <a:t> </a:t>
+            </a:r>
+            <a:r>
+              <a:rPr lang="zh-CN" altLang="en-US" sz="1200" b="0" i="0" kern="1200" dirty="0" smtClean="0">
+                <a:solidFill>
+                  <a:schemeClr val="tx1"/>
+                </a:solidFill>
+                <a:effectLst/>
+                <a:latin typeface="+mn-lt"/>
+                <a:ea typeface="+mn-ea"/>
+                <a:cs typeface="+mn-cs"/>
+              </a:rPr>
+              <a:t>中，就难以再丢失数据，这使得我们使用 </a:t>
+            </a:r>
+            <a:r>
+              <a:rPr lang="en-US" altLang="zh-CN" sz="1200" b="0" i="0" kern="1200" dirty="0" err="1" smtClean="0">
+                <a:solidFill>
+                  <a:schemeClr val="tx1"/>
+                </a:solidFill>
+                <a:effectLst/>
+                <a:latin typeface="+mn-lt"/>
+                <a:ea typeface="+mn-ea"/>
+                <a:cs typeface="+mn-cs"/>
+              </a:rPr>
+              <a:t>Git</a:t>
+            </a:r>
+            <a:r>
+              <a:rPr lang="en-US" altLang="zh-CN" sz="1200" b="0" i="0" kern="1200" dirty="0" smtClean="0">
+                <a:solidFill>
+                  <a:schemeClr val="tx1"/>
+                </a:solidFill>
+                <a:effectLst/>
+                <a:latin typeface="+mn-lt"/>
+                <a:ea typeface="+mn-ea"/>
+                <a:cs typeface="+mn-cs"/>
+              </a:rPr>
+              <a:t> </a:t>
+            </a:r>
+            <a:r>
+              <a:rPr lang="zh-CN" altLang="en-US" sz="1200" b="0" i="0" kern="1200" dirty="0" smtClean="0">
+                <a:solidFill>
+                  <a:schemeClr val="tx1"/>
+                </a:solidFill>
+                <a:effectLst/>
+                <a:latin typeface="+mn-lt"/>
+                <a:ea typeface="+mn-ea"/>
+                <a:cs typeface="+mn-cs"/>
+              </a:rPr>
+              <a:t>成为一个安心愉悦的过程，因为我们深知可以尽情做各种尝试，而没有把事情弄糟的危险</a:t>
+            </a:r>
             <a:endParaRPr lang="zh-CN" altLang="en-US" dirty="0"/>
           </a:p>
         </p:txBody>
@@ -1593,7 +1717,7 @@
     </p:spTree>
     <p:extLst>
       <p:ext uri="{BB962C8B-B14F-4D97-AF65-F5344CB8AC3E}">
-        <p14:creationId xmlns:p14="http://schemas.microsoft.com/office/powerpoint/2010/main" val="2006553235"/>
+        <p14:creationId xmlns:p14="http://schemas.microsoft.com/office/powerpoint/2010/main" val="3805765659"/>
       </p:ext>
     </p:extLst>
   </p:cSld>
@@ -1647,6 +1771,168 @@
           <a:bodyPr/>
           <a:lstStyle/>
           <a:p>
+            <a:r>
+              <a:rPr lang="zh-CN" altLang="en-US" sz="1200" b="0" i="0" kern="1200" dirty="0" smtClean="0">
+                <a:solidFill>
+                  <a:schemeClr val="tx1"/>
+                </a:solidFill>
+                <a:effectLst/>
+                <a:latin typeface="+mn-lt"/>
+                <a:ea typeface="+mn-ea"/>
+                <a:cs typeface="+mn-cs"/>
+              </a:rPr>
+              <a:t>在工作目录中修改文件。</a:t>
+            </a:r>
+          </a:p>
+          <a:p>
+            <a:r>
+              <a:rPr lang="zh-CN" altLang="en-US" sz="1200" b="0" i="0" kern="1200" dirty="0" smtClean="0">
+                <a:solidFill>
+                  <a:schemeClr val="tx1"/>
+                </a:solidFill>
+                <a:effectLst/>
+                <a:latin typeface="+mn-lt"/>
+                <a:ea typeface="+mn-ea"/>
+                <a:cs typeface="+mn-cs"/>
+              </a:rPr>
+              <a:t>暂存文件，将文件的快照放入暂存区域。</a:t>
+            </a:r>
+          </a:p>
+          <a:p>
+            <a:r>
+              <a:rPr lang="zh-CN" altLang="en-US" sz="1200" b="0" i="0" kern="1200" dirty="0" smtClean="0">
+                <a:solidFill>
+                  <a:schemeClr val="tx1"/>
+                </a:solidFill>
+                <a:effectLst/>
+                <a:latin typeface="+mn-lt"/>
+                <a:ea typeface="+mn-ea"/>
+                <a:cs typeface="+mn-cs"/>
+              </a:rPr>
+              <a:t>提交更新，找到暂存区域的文件，将快照永久性存储到 </a:t>
+            </a:r>
+            <a:r>
+              <a:rPr lang="en-US" altLang="zh-CN" sz="1200" b="0" i="0" kern="1200" dirty="0" err="1" smtClean="0">
+                <a:solidFill>
+                  <a:schemeClr val="tx1"/>
+                </a:solidFill>
+                <a:effectLst/>
+                <a:latin typeface="+mn-lt"/>
+                <a:ea typeface="+mn-ea"/>
+                <a:cs typeface="+mn-cs"/>
+              </a:rPr>
+              <a:t>Git</a:t>
+            </a:r>
+            <a:r>
+              <a:rPr lang="en-US" altLang="zh-CN" sz="1200" b="0" i="0" kern="1200" dirty="0" smtClean="0">
+                <a:solidFill>
+                  <a:schemeClr val="tx1"/>
+                </a:solidFill>
+                <a:effectLst/>
+                <a:latin typeface="+mn-lt"/>
+                <a:ea typeface="+mn-ea"/>
+                <a:cs typeface="+mn-cs"/>
+              </a:rPr>
+              <a:t> </a:t>
+            </a:r>
+            <a:r>
+              <a:rPr lang="zh-CN" altLang="en-US" sz="1200" b="0" i="0" kern="1200" dirty="0" smtClean="0">
+                <a:solidFill>
+                  <a:schemeClr val="tx1"/>
+                </a:solidFill>
+                <a:effectLst/>
+                <a:latin typeface="+mn-lt"/>
+                <a:ea typeface="+mn-ea"/>
+                <a:cs typeface="+mn-cs"/>
+              </a:rPr>
+              <a:t>仓库目录。</a:t>
+            </a:r>
+          </a:p>
+          <a:p>
+            <a:endParaRPr lang="zh-CN" altLang="en-US" dirty="0"/>
+          </a:p>
+        </p:txBody>
+      </p:sp>
+      <p:sp>
+        <p:nvSpPr>
+          <p:cNvPr id="4" name="灯片编号占位符 3"/>
+          <p:cNvSpPr>
+            <a:spLocks noGrp="1"/>
+          </p:cNvSpPr>
+          <p:nvPr>
+            <p:ph type="sldNum" sz="quarter" idx="10"/>
+          </p:nvPr>
+        </p:nvSpPr>
+        <p:spPr/>
+        <p:txBody>
+          <a:bodyPr/>
+          <a:lstStyle/>
+          <a:p>
+            <a:fld id="{7FB667E1-E601-4AAF-B95C-B25720D70A60}" type="slidenum">
+              <a:rPr lang="en-US" altLang="zh-CN" smtClean="0"/>
+              <a:t>20</a:t>
+            </a:fld>
+            <a:endParaRPr lang="zh-CN" altLang="en-US"/>
+          </a:p>
+        </p:txBody>
+      </p:sp>
+    </p:spTree>
+    <p:extLst>
+      <p:ext uri="{BB962C8B-B14F-4D97-AF65-F5344CB8AC3E}">
+        <p14:creationId xmlns:p14="http://schemas.microsoft.com/office/powerpoint/2010/main" val="2006553235"/>
+      </p:ext>
+    </p:extLst>
+  </p:cSld>
+  <p:clrMapOvr>
+    <a:masterClrMapping/>
+  </p:clrMapOvr>
+</p:notes>
+</file>
+
+<file path=ppt/notesSlides/notesSlide14.xml><?xml version="1.0" encoding="utf-8"?>
+<p:notes xmlns:a="http://schemas.openxmlformats.org/drawingml/2006/main" xmlns:r="http://schemas.openxmlformats.org/officeDocument/2006/relationships" xmlns:p="http://schemas.openxmlformats.org/presentationml/2006/main">
+  <p:cSld>
+    <p:spTree>
+      <p:nvGrpSpPr>
+        <p:cNvPr id="1" name=""/>
+        <p:cNvGrpSpPr/>
+        <p:nvPr/>
+      </p:nvGrpSpPr>
+      <p:grpSpPr>
+        <a:xfrm>
+          <a:off x="0" y="0"/>
+          <a:ext cx="0" cy="0"/>
+          <a:chOff x="0" y="0"/>
+          <a:chExt cx="0" cy="0"/>
+        </a:xfrm>
+      </p:grpSpPr>
+      <p:sp>
+        <p:nvSpPr>
+          <p:cNvPr id="2" name="幻灯片图像占位符 1"/>
+          <p:cNvSpPr>
+            <a:spLocks noGrp="1" noRot="1" noChangeAspect="1"/>
+          </p:cNvSpPr>
+          <p:nvPr>
+            <p:ph type="sldImg"/>
+          </p:nvPr>
+        </p:nvSpPr>
+        <p:spPr/>
+      </p:sp>
+      <p:sp>
+        <p:nvSpPr>
+          <p:cNvPr id="3" name="备注占位符 2"/>
+          <p:cNvSpPr>
+            <a:spLocks noGrp="1"/>
+          </p:cNvSpPr>
+          <p:nvPr>
+            <p:ph type="body" idx="1"/>
+          </p:nvPr>
+        </p:nvSpPr>
+        <p:spPr/>
+        <p:txBody>
+          <a:bodyPr/>
+          <a:lstStyle/>
+          <a:p>
             <a:pPr marL="0" marR="0" lvl="0" indent="0" algn="l" defTabSz="914400" rtl="0" eaLnBrk="1" fontAlgn="auto" latinLnBrk="0" hangingPunct="1">
               <a:lnSpc>
                 <a:spcPct val="100000"/>
@@ -1700,7 +1986,7 @@
           <a:p>
             <a:fld id="{7FB667E1-E601-4AAF-B95C-B25720D70A60}" type="slidenum">
               <a:rPr lang="en-US" altLang="zh-CN" smtClean="0"/>
-              <a:t>20</a:t>
+              <a:t>21</a:t>
             </a:fld>
             <a:endParaRPr lang="zh-CN" altLang="en-US"/>
           </a:p>
@@ -1719,7 +2005,130 @@
 </p:notes>
 </file>
 
-<file path=ppt/notesSlides/notesSlide14.xml><?xml version="1.0" encoding="utf-8"?>
+<file path=ppt/notesSlides/notesSlide15.xml><?xml version="1.0" encoding="utf-8"?>
+<p:notes xmlns:a="http://schemas.openxmlformats.org/drawingml/2006/main" xmlns:r="http://schemas.openxmlformats.org/officeDocument/2006/relationships" xmlns:p="http://schemas.openxmlformats.org/presentationml/2006/main">
+  <p:cSld>
+    <p:spTree>
+      <p:nvGrpSpPr>
+        <p:cNvPr id="1" name=""/>
+        <p:cNvGrpSpPr/>
+        <p:nvPr/>
+      </p:nvGrpSpPr>
+      <p:grpSpPr>
+        <a:xfrm>
+          <a:off x="0" y="0"/>
+          <a:ext cx="0" cy="0"/>
+          <a:chOff x="0" y="0"/>
+          <a:chExt cx="0" cy="0"/>
+        </a:xfrm>
+      </p:grpSpPr>
+      <p:sp>
+        <p:nvSpPr>
+          <p:cNvPr id="2" name="幻灯片图像占位符 1"/>
+          <p:cNvSpPr>
+            <a:spLocks noGrp="1" noRot="1" noChangeAspect="1"/>
+          </p:cNvSpPr>
+          <p:nvPr>
+            <p:ph type="sldImg"/>
+          </p:nvPr>
+        </p:nvSpPr>
+        <p:spPr/>
+      </p:sp>
+      <p:sp>
+        <p:nvSpPr>
+          <p:cNvPr id="3" name="备注占位符 2"/>
+          <p:cNvSpPr>
+            <a:spLocks noGrp="1"/>
+          </p:cNvSpPr>
+          <p:nvPr>
+            <p:ph type="body" idx="1"/>
+          </p:nvPr>
+        </p:nvSpPr>
+        <p:spPr/>
+        <p:txBody>
+          <a:bodyPr/>
+          <a:lstStyle/>
+          <a:p>
+            <a:r>
+              <a:rPr lang="zh-CN" altLang="en-US" dirty="0" smtClean="0"/>
+              <a:t>自带的里面有命令号工具，巨强大，需要时间学习</a:t>
+            </a:r>
+            <a:endParaRPr lang="en-US" altLang="zh-CN" dirty="0" smtClean="0"/>
+          </a:p>
+          <a:p>
+            <a:r>
+              <a:rPr lang="zh-CN" altLang="en-US" dirty="0" smtClean="0"/>
+              <a:t>以前是</a:t>
+            </a:r>
+            <a:r>
+              <a:rPr lang="en-US" altLang="zh-CN" dirty="0" err="1" smtClean="0"/>
+              <a:t>linux</a:t>
+            </a:r>
+            <a:r>
+              <a:rPr lang="zh-CN" altLang="en-US" dirty="0" smtClean="0"/>
+              <a:t>下的工具，</a:t>
+            </a:r>
+            <a:r>
+              <a:rPr lang="en-US" altLang="zh-CN" dirty="0" smtClean="0"/>
+              <a:t>windows</a:t>
+            </a:r>
+            <a:r>
+              <a:rPr lang="zh-CN" altLang="en-US" dirty="0" smtClean="0"/>
+              <a:t>使用需要做一个映射，不方便，现在很好了，有自己的</a:t>
+            </a:r>
+            <a:r>
+              <a:rPr lang="en-US" altLang="zh-CN" dirty="0" err="1" smtClean="0"/>
+              <a:t>Git</a:t>
+            </a:r>
+            <a:r>
+              <a:rPr lang="en-US" altLang="zh-CN" dirty="0" smtClean="0"/>
+              <a:t> CMD</a:t>
+            </a:r>
+            <a:r>
+              <a:rPr lang="zh-CN" altLang="en-US" dirty="0" smtClean="0"/>
+              <a:t>的命令行工具</a:t>
+            </a:r>
+            <a:endParaRPr lang="zh-CN" altLang="en-US" dirty="0"/>
+          </a:p>
+        </p:txBody>
+      </p:sp>
+      <p:sp>
+        <p:nvSpPr>
+          <p:cNvPr id="4" name="灯片编号占位符 3"/>
+          <p:cNvSpPr>
+            <a:spLocks noGrp="1"/>
+          </p:cNvSpPr>
+          <p:nvPr>
+            <p:ph type="sldNum" sz="quarter" idx="10"/>
+          </p:nvPr>
+        </p:nvSpPr>
+        <p:spPr/>
+        <p:txBody>
+          <a:bodyPr/>
+          <a:lstStyle/>
+          <a:p>
+            <a:fld id="{7FB667E1-E601-4AAF-B95C-B25720D70A60}" type="slidenum">
+              <a:rPr lang="en-US" altLang="zh-CN" smtClean="0"/>
+              <a:t>24</a:t>
+            </a:fld>
+            <a:endParaRPr lang="zh-CN" altLang="en-US"/>
+          </a:p>
+        </p:txBody>
+      </p:sp>
+    </p:spTree>
+    <p:extLst>
+      <p:ext uri="{BB962C8B-B14F-4D97-AF65-F5344CB8AC3E}">
+        <p14:creationId xmlns:p14="http://schemas.microsoft.com/office/powerpoint/2010/main" val="2365800551"/>
+      </p:ext>
+    </p:extLst>
+  </p:cSld>
+  <p:clrMapOvr>
+    <a:masterClrMapping/>
+  </p:clrMapOvr>
+</p:notes>
+</file>
+
+<file path=ppt/notesSlides/notesSlide16.xml><?xml version="1.0" encoding="utf-8"?>
 <p:notes xmlns:a="http://schemas.openxmlformats.org/drawingml/2006/main" xmlns:r="http://schemas.openxmlformats.org/officeDocument/2006/relationships" xmlns:p="http://schemas.openxmlformats.org/presentationml/2006/main">
   <p:cSld>
     <p:spTree>
@@ -2090,6 +2499,29 @@
           <a:lstStyle/>
           <a:p>
             <a:r>
+              <a:rPr lang="zh-CN" altLang="en-US" sz="1200" b="0" i="0" kern="1200" dirty="0" smtClean="0">
+                <a:solidFill>
+                  <a:schemeClr val="tx1"/>
+                </a:solidFill>
+                <a:effectLst/>
+                <a:latin typeface="+mn-lt"/>
+                <a:ea typeface="+mn-ea"/>
+                <a:cs typeface="+mn-cs"/>
+              </a:rPr>
+              <a:t>集中版本管理软件的特点：</a:t>
+            </a:r>
+            <a:endParaRPr lang="en-US" altLang="zh-CN" sz="1200" b="0" i="0" kern="1200" dirty="0" smtClean="0">
+              <a:solidFill>
+                <a:schemeClr val="tx1"/>
+              </a:solidFill>
+              <a:effectLst/>
+              <a:latin typeface="+mn-lt"/>
+              <a:ea typeface="+mn-ea"/>
+              <a:cs typeface="+mn-cs"/>
+            </a:endParaRPr>
+          </a:p>
+          <a:p>
+            <a:r>
               <a:rPr lang="en-US" altLang="zh-CN" sz="1200" b="0" i="0" kern="1200" dirty="0" smtClean="0">
                 <a:solidFill>
                   <a:schemeClr val="tx1"/>
@@ -2099,7 +2531,19 @@
                 <a:ea typeface="+mn-ea"/>
                 <a:cs typeface="+mn-cs"/>
               </a:rPr>
-              <a:t>1. </a:t>
+              <a:t>1</a:t>
+            </a:r>
+            <a:r>
+              <a:rPr lang="en-US" altLang="zh-CN" sz="1200" b="0" i="0" kern="1200" dirty="0" smtClean="0">
+                <a:solidFill>
+                  <a:schemeClr val="tx1"/>
+                </a:solidFill>
+                <a:effectLst/>
+                <a:latin typeface="+mn-lt"/>
+                <a:ea typeface="+mn-ea"/>
+                <a:cs typeface="+mn-cs"/>
+              </a:rPr>
+              <a:t>. </a:t>
             </a:r>
             <a:r>
               <a:rPr lang="zh-CN" altLang="en-US" sz="1200" b="0" i="0" kern="1200" dirty="0" smtClean="0">
@@ -2162,18 +2606,6 @@
               <a:t>来说。 现在，每个人都可以在一定程度上看到项目中的其他人正在做些什么。 而管理员也可以轻松掌控每个开发者的权限，并且管理一个 </a:t>
             </a:r>
             <a:r>
-              <a:rPr lang="en-US" altLang="zh-CN" sz="1200" b="0" i="0" kern="1200" dirty="0" smtClean="0">
-                <a:solidFill>
-                  <a:schemeClr val="tx1"/>
-                </a:solidFill>
-                <a:effectLst/>
-                <a:latin typeface="+mn-lt"/>
-                <a:ea typeface="+mn-ea"/>
-                <a:cs typeface="+mn-cs"/>
-              </a:rPr>
-              <a:t>CVCS </a:t>
-            </a:r>
-            <a:r>
               <a:rPr lang="zh-CN" altLang="en-US" sz="1200" b="0" i="0" kern="1200" dirty="0" smtClean="0">
                 <a:solidFill>
                   <a:schemeClr val="tx1"/>
@@ -2183,7 +2615,19 @@
                 <a:ea typeface="+mn-ea"/>
                 <a:cs typeface="+mn-cs"/>
               </a:rPr>
-              <a:t>要远比在各个客户端上维护本地数据库来得轻松容易</a:t>
+              <a:t>集中化的版本管理系统 要</a:t>
+            </a:r>
+            <a:r>
+              <a:rPr lang="zh-CN" altLang="en-US" sz="1200" b="0" i="0" kern="1200" dirty="0" smtClean="0">
+                <a:solidFill>
+                  <a:schemeClr val="tx1"/>
+                </a:solidFill>
+                <a:effectLst/>
+                <a:latin typeface="+mn-lt"/>
+                <a:ea typeface="+mn-ea"/>
+                <a:cs typeface="+mn-cs"/>
+              </a:rPr>
+              <a:t>远比在各个客户端上维护本地数据库来得轻松容易</a:t>
             </a:r>
             <a:endParaRPr lang="zh-CN" altLang="en-US" dirty="0"/>
           </a:p>
@@ -2287,11 +2731,142 @@
               <a:defRPr/>
             </a:pPr>
             <a:r>
-              <a:rPr lang="zh-CN" altLang="en-US" smtClean="0"/>
-              <a:t>客户端并不只提取最新版本的文件快照，而是把代码仓库完整地镜像下来。 这么一来，任何一处协同工作用的服务器发生故障，事后都可以用任何一个镜像出来的本地仓库恢复。 因为每一次的克隆操作，实际上都是一次对代码仓库的完整备份。</a:t>
-            </a:r>
-          </a:p>
-          <a:p>
+              <a:rPr lang="zh-CN" altLang="en-US" dirty="0" smtClean="0"/>
+              <a:t>客户端并不只提取最新版本的文件快照，而是把代码仓库完整地镜像下来。 这么一来，任何一处协同工作用的服务器发生故障，事后都可以用任何一个镜像出来的本地仓库恢复。 因为每一次的克隆操作，实际上都是一次对代码仓库的完整备份</a:t>
+            </a:r>
+            <a:r>
+              <a:rPr lang="zh-CN" altLang="en-US" dirty="0" smtClean="0"/>
+              <a:t>。</a:t>
+            </a:r>
+            <a:endParaRPr lang="en-US" altLang="zh-CN" dirty="0" smtClean="0"/>
+          </a:p>
+          <a:p>
+            <a:pPr marL="0" marR="0" lvl="0" indent="0" algn="l" defTabSz="914400" rtl="0" eaLnBrk="1" fontAlgn="auto" latinLnBrk="0" hangingPunct="1">
+              <a:lnSpc>
+                <a:spcPct val="100000"/>
+              </a:lnSpc>
+              <a:spcBef>
+                <a:spcPts val="0"/>
+              </a:spcBef>
+              <a:spcAft>
+                <a:spcPts val="0"/>
+              </a:spcAft>
+              <a:buClrTx/>
+              <a:buSzTx/>
+              <a:buFontTx/>
+              <a:buNone/>
+              <a:tabLst/>
+              <a:defRPr/>
+            </a:pPr>
+            <a:endParaRPr lang="zh-CN" altLang="en-US" dirty="0" smtClean="0"/>
+          </a:p>
+          <a:p>
+            <a:r>
+              <a:rPr lang="en-US" altLang="zh-CN" dirty="0" smtClean="0"/>
+              <a:t>Mercurial Python</a:t>
+            </a:r>
+            <a:r>
+              <a:rPr lang="zh-CN" altLang="en-US" dirty="0" smtClean="0"/>
+              <a:t>写的版本管理工具，易用，灵活性稍弱，相比于</a:t>
+            </a:r>
+            <a:r>
+              <a:rPr lang="en-US" altLang="zh-CN" dirty="0" err="1" smtClean="0"/>
+              <a:t>git</a:t>
+            </a:r>
+            <a:r>
+              <a:rPr lang="zh-CN" altLang="en-US" dirty="0" smtClean="0"/>
+              <a:t>，就好像</a:t>
+            </a:r>
+            <a:r>
+              <a:rPr lang="en-US" altLang="zh-CN" dirty="0" smtClean="0"/>
+              <a:t>mac</a:t>
+            </a:r>
+            <a:r>
+              <a:rPr lang="zh-CN" altLang="en-US" dirty="0" smtClean="0"/>
+              <a:t>与</a:t>
+            </a:r>
+            <a:r>
+              <a:rPr lang="en-US" altLang="zh-CN" dirty="0" err="1" smtClean="0"/>
+              <a:t>linux</a:t>
+            </a:r>
+            <a:r>
+              <a:rPr lang="zh-CN" altLang="en-US" dirty="0" smtClean="0"/>
+              <a:t>的比较</a:t>
+            </a:r>
+            <a:endParaRPr lang="en-US" altLang="zh-CN" dirty="0" smtClean="0"/>
+          </a:p>
+          <a:p>
+            <a:r>
+              <a:rPr lang="en-US" altLang="zh-CN" sz="1200" b="0" i="0" kern="1200" dirty="0" smtClean="0">
+                <a:solidFill>
+                  <a:schemeClr val="tx1"/>
+                </a:solidFill>
+                <a:effectLst/>
+                <a:latin typeface="+mn-lt"/>
+                <a:ea typeface="+mn-ea"/>
+                <a:cs typeface="+mn-cs"/>
+              </a:rPr>
+              <a:t>Bazaar </a:t>
+            </a:r>
+            <a:r>
+              <a:rPr lang="zh-CN" altLang="en-US" sz="1200" b="0" i="0" kern="1200" dirty="0" smtClean="0">
+                <a:solidFill>
+                  <a:schemeClr val="tx1"/>
+                </a:solidFill>
+                <a:effectLst/>
+                <a:latin typeface="+mn-lt"/>
+                <a:ea typeface="+mn-ea"/>
+                <a:cs typeface="+mn-cs"/>
+              </a:rPr>
+              <a:t>乌邦图的母公司赞助</a:t>
+            </a:r>
+            <a:endParaRPr lang="en-US" altLang="zh-CN" sz="1200" b="0" i="0" kern="1200" dirty="0" smtClean="0">
+              <a:solidFill>
+                <a:schemeClr val="tx1"/>
+              </a:solidFill>
+              <a:effectLst/>
+              <a:latin typeface="+mn-lt"/>
+              <a:ea typeface="+mn-ea"/>
+              <a:cs typeface="+mn-cs"/>
+            </a:endParaRPr>
+          </a:p>
+          <a:p>
+            <a:r>
+              <a:rPr lang="en-US" altLang="zh-CN" sz="1200" b="0" i="0" kern="1200" dirty="0" err="1" smtClean="0">
+                <a:solidFill>
+                  <a:schemeClr val="tx1"/>
+                </a:solidFill>
+                <a:effectLst/>
+                <a:latin typeface="+mn-lt"/>
+                <a:ea typeface="+mn-ea"/>
+                <a:cs typeface="+mn-cs"/>
+              </a:rPr>
+              <a:t>Darcs</a:t>
+            </a:r>
+            <a:r>
+              <a:rPr lang="en-US" altLang="zh-CN" sz="1200" b="0" i="0" kern="1200" dirty="0" smtClean="0">
+                <a:solidFill>
+                  <a:schemeClr val="tx1"/>
+                </a:solidFill>
+                <a:effectLst/>
+                <a:latin typeface="+mn-lt"/>
+                <a:ea typeface="+mn-ea"/>
+                <a:cs typeface="+mn-cs"/>
+              </a:rPr>
+              <a:t> </a:t>
+            </a:r>
+            <a:r>
+              <a:rPr lang="zh-CN" altLang="en-US" sz="1200" b="0" i="0" kern="1200" dirty="0" smtClean="0">
+                <a:solidFill>
+                  <a:schemeClr val="tx1"/>
+                </a:solidFill>
+                <a:effectLst/>
+                <a:latin typeface="+mn-lt"/>
+                <a:ea typeface="+mn-ea"/>
+                <a:cs typeface="+mn-cs"/>
+              </a:rPr>
+              <a:t>小众，没查到什么资料</a:t>
+            </a:r>
             <a:endParaRPr lang="zh-CN" altLang="en-US" dirty="0"/>
           </a:p>
         </p:txBody>
@@ -2548,7 +3123,7 @@
           <a:p>
             <a:fld id="{7FB667E1-E601-4AAF-B95C-B25720D70A60}" type="slidenum">
               <a:rPr lang="en-US" altLang="zh-CN" smtClean="0"/>
-              <a:t>8</a:t>
+              <a:t>9</a:t>
             </a:fld>
             <a:endParaRPr lang="zh-CN" altLang="en-US"/>
           </a:p>
@@ -2717,7 +3292,7 @@
           <a:p>
             <a:fld id="{7FB667E1-E601-4AAF-B95C-B25720D70A60}" type="slidenum">
               <a:rPr lang="en-US" altLang="zh-CN" smtClean="0"/>
-              <a:t>9</a:t>
+              <a:t>10</a:t>
             </a:fld>
             <a:endParaRPr lang="zh-CN" altLang="en-US"/>
           </a:p>
@@ -2801,7 +3376,7 @@
           <a:p>
             <a:fld id="{7FB667E1-E601-4AAF-B95C-B25720D70A60}" type="slidenum">
               <a:rPr lang="en-US" altLang="zh-CN" smtClean="0"/>
-              <a:t>11</a:t>
+              <a:t>12</a:t>
             </a:fld>
             <a:endParaRPr lang="zh-CN" altLang="en-US"/>
           </a:p>
@@ -2865,28 +3440,8 @@
           <a:lstStyle/>
           <a:p>
             <a:r>
-              <a:rPr lang="en-US" altLang="zh-CN" sz="1200" b="0" i="0" kern="1200" dirty="0" err="1" smtClean="0">
-                <a:solidFill>
-                  <a:schemeClr val="tx1"/>
-                </a:solidFill>
-                <a:effectLst/>
-                <a:latin typeface="+mn-lt"/>
-                <a:ea typeface="+mn-ea"/>
-                <a:cs typeface="+mn-cs"/>
-              </a:rPr>
-              <a:t>git</a:t>
-            </a:r>
-            <a:r>
-              <a:rPr lang="zh-CN" altLang="en-US" sz="1200" b="0" i="0" kern="1200" dirty="0" smtClean="0">
-                <a:solidFill>
-                  <a:schemeClr val="tx1"/>
-                </a:solidFill>
-                <a:effectLst/>
-                <a:latin typeface="+mn-lt"/>
-                <a:ea typeface="+mn-ea"/>
-                <a:cs typeface="+mn-cs"/>
-              </a:rPr>
-              <a:t>：本意为混帐。</a:t>
+              <a:rPr lang="zh-CN" altLang="en-US" dirty="0" smtClean="0"/>
+              <a:t>版本管理中有着版本号的概念</a:t>
             </a:r>
             <a:endParaRPr lang="zh-CN" altLang="en-US" dirty="0"/>
           </a:p>
@@ -2909,7 +3464,7 @@
           <a:p>
             <a:fld id="{7FB667E1-E601-4AAF-B95C-B25720D70A60}" type="slidenum">
               <a:rPr lang="en-US" altLang="zh-CN" smtClean="0"/>
-              <a:t>16</a:t>
+              <a:t>15</a:t>
             </a:fld>
             <a:endParaRPr lang="zh-CN" altLang="en-US"/>
           </a:p>
@@ -2918,7 +3473,7 @@
     </p:spTree>
     <p:extLst>
       <p:ext uri="{BB962C8B-B14F-4D97-AF65-F5344CB8AC3E}">
-        <p14:creationId xmlns:p14="http://schemas.microsoft.com/office/powerpoint/2010/main" val="641129721"/>
+        <p14:creationId xmlns:p14="http://schemas.microsoft.com/office/powerpoint/2010/main" val="2884702518"/>
       </p:ext>
     </p:extLst>
   </p:cSld>
@@ -7754,8 +8309,12 @@
           <a:lstStyle/>
           <a:p>
             <a:r>
-              <a:rPr lang="zh-CN" altLang="en-US" dirty="0" smtClean="0"/>
-              <a:t>软件版本控制介绍</a:t>
+              <a:rPr lang="zh-CN" altLang="en-US" smtClean="0"/>
+              <a:t>版本控制</a:t>
+            </a:r>
+            <a:r>
+              <a:rPr lang="zh-CN" altLang="en-US" dirty="0" smtClean="0"/>
+              <a:t>介绍</a:t>
             </a:r>
             <a:endParaRPr lang="zh-CN" dirty="0"/>
           </a:p>
@@ -7822,6 +8381,177 @@
 </file>
 
 <file path=ppt/slides/slide10.xml><?xml version="1.0" encoding="utf-8"?>
+<p:sld xmlns:a="http://schemas.openxmlformats.org/drawingml/2006/main" xmlns:r="http://schemas.openxmlformats.org/officeDocument/2006/relationships" xmlns:p="http://schemas.openxmlformats.org/presentationml/2006/main">
+  <p:cSld>
+    <p:spTree>
+      <p:nvGrpSpPr>
+        <p:cNvPr id="1" name=""/>
+        <p:cNvGrpSpPr/>
+        <p:nvPr/>
+      </p:nvGrpSpPr>
+      <p:grpSpPr>
+        <a:xfrm>
+          <a:off x="0" y="0"/>
+          <a:ext cx="0" cy="0"/>
+          <a:chOff x="0" y="0"/>
+          <a:chExt cx="0" cy="0"/>
+        </a:xfrm>
+      </p:grpSpPr>
+      <p:pic>
+        <p:nvPicPr>
+          <p:cNvPr id="4" name="图片 3"/>
+          <p:cNvPicPr>
+            <a:picLocks noChangeAspect="1"/>
+          </p:cNvPicPr>
+          <p:nvPr/>
+        </p:nvPicPr>
+        <p:blipFill>
+          <a:blip r:embed="rId3">
+            <a:extLst>
+              <a:ext uri="{28A0092B-C50C-407E-A947-70E740481C1C}">
+                <a14:useLocalDpi xmlns:a14="http://schemas.microsoft.com/office/drawing/2010/main" val="0"/>
+              </a:ext>
+            </a:extLst>
+          </a:blip>
+          <a:stretch>
+            <a:fillRect/>
+          </a:stretch>
+        </p:blipFill>
+        <p:spPr>
+          <a:xfrm>
+            <a:off x="5573486" y="1230086"/>
+            <a:ext cx="6455227" cy="5020732"/>
+          </a:xfrm>
+          <a:prstGeom prst="rect">
+            <a:avLst/>
+          </a:prstGeom>
+        </p:spPr>
+      </p:pic>
+      <p:sp>
+        <p:nvSpPr>
+          <p:cNvPr id="2" name="标题 1"/>
+          <p:cNvSpPr>
+            <a:spLocks noGrp="1"/>
+          </p:cNvSpPr>
+          <p:nvPr>
+            <p:ph type="title"/>
+          </p:nvPr>
+        </p:nvSpPr>
+        <p:spPr/>
+        <p:txBody>
+          <a:bodyPr/>
+          <a:lstStyle/>
+          <a:p>
+            <a:r>
+              <a:rPr lang="zh-CN" altLang="en-US" dirty="0"/>
+              <a:t>版本管理的基本概念</a:t>
+            </a:r>
+          </a:p>
+        </p:txBody>
+      </p:sp>
+      <p:sp>
+        <p:nvSpPr>
+          <p:cNvPr id="3" name="内容占位符 2"/>
+          <p:cNvSpPr>
+            <a:spLocks noGrp="1"/>
+          </p:cNvSpPr>
+          <p:nvPr>
+            <p:ph idx="1"/>
+          </p:nvPr>
+        </p:nvSpPr>
+        <p:spPr>
+          <a:xfrm>
+            <a:off x="1341121" y="1673352"/>
+            <a:ext cx="4537165" cy="4106962"/>
+          </a:xfrm>
+        </p:spPr>
+        <p:txBody>
+          <a:bodyPr/>
+          <a:lstStyle/>
+          <a:p>
+            <a:pPr marL="45720" indent="0">
+              <a:lnSpc>
+                <a:spcPct val="150000"/>
+              </a:lnSpc>
+              <a:buNone/>
+            </a:pPr>
+            <a:r>
+              <a:rPr lang="en-US" altLang="zh-CN" dirty="0" smtClean="0"/>
+              <a:t>1</a:t>
+            </a:r>
+            <a:r>
+              <a:rPr lang="en-US" altLang="zh-CN" dirty="0"/>
+              <a:t>. </a:t>
+            </a:r>
+            <a:r>
+              <a:rPr lang="zh-CN" altLang="en-US" dirty="0"/>
+              <a:t>在电脑任意位置创建一个存放项目代码的目录，例如：</a:t>
+            </a:r>
+            <a:r>
+              <a:rPr lang="en-US" altLang="zh-CN" dirty="0"/>
+              <a:t>D:\TortoiseSVN\Repository\Source</a:t>
+            </a:r>
+            <a:br>
+              <a:rPr lang="en-US" altLang="zh-CN" dirty="0"/>
+            </a:br>
+            <a:r>
+              <a:rPr lang="en-US" altLang="zh-CN" dirty="0"/>
+              <a:t>2. </a:t>
+            </a:r>
+            <a:r>
+              <a:rPr lang="zh-CN" altLang="en-US" dirty="0"/>
+              <a:t>将代码检出到该</a:t>
+            </a:r>
+            <a:r>
+              <a:rPr lang="zh-CN" altLang="en-US" dirty="0" smtClean="0"/>
+              <a:t>位置（</a:t>
+            </a:r>
+            <a:r>
+              <a:rPr lang="en-US" altLang="zh-CN" dirty="0"/>
+              <a:t> </a:t>
+            </a:r>
+            <a:r>
+              <a:rPr lang="en-US" altLang="zh-CN" dirty="0" err="1"/>
+              <a:t>MyAppProject</a:t>
+            </a:r>
+            <a:r>
+              <a:rPr lang="en-US" altLang="zh-CN" dirty="0"/>
+              <a:t> </a:t>
+            </a:r>
+            <a:r>
+              <a:rPr lang="zh-CN" altLang="en-US" dirty="0" smtClean="0"/>
+              <a:t>）</a:t>
+            </a:r>
+            <a:endParaRPr lang="zh-CN" altLang="en-US" dirty="0"/>
+          </a:p>
+        </p:txBody>
+      </p:sp>
+    </p:spTree>
+    <p:extLst>
+      <p:ext uri="{BB962C8B-B14F-4D97-AF65-F5344CB8AC3E}">
+        <p14:creationId xmlns:p14="http://schemas.microsoft.com/office/powerpoint/2010/main" val="3400656040"/>
+      </p:ext>
+    </p:extLst>
+  </p:cSld>
+  <p:clrMapOvr>
+    <a:masterClrMapping/>
+  </p:clrMapOvr>
+  <mc:AlternateContent xmlns:mc="http://schemas.openxmlformats.org/markup-compatibility/2006" xmlns:p14="http://schemas.microsoft.com/office/powerpoint/2010/main">
+    <mc:Choice Requires="p14">
+      <p:transition spd="med" p14:dur="700">
+        <p:fade/>
+      </p:transition>
+    </mc:Choice>
+    <mc:Fallback xmlns="">
+      <p:transition spd="med">
+        <p:fade/>
+      </p:transition>
+    </mc:Fallback>
+  </mc:AlternateContent>
+</p:sld>
+</file>
+
+<file path=ppt/slides/slide11.xml><?xml version="1.0" encoding="utf-8"?>
 <p:sld xmlns:a="http://schemas.openxmlformats.org/drawingml/2006/main" xmlns:r="http://schemas.openxmlformats.org/officeDocument/2006/relationships" xmlns:p="http://schemas.openxmlformats.org/presentationml/2006/main">
   <p:cSld>
     <p:spTree>
@@ -7978,7 +8708,7 @@
 </p:sld>
 </file>
 
-<file path=ppt/slides/slide11.xml><?xml version="1.0" encoding="utf-8"?>
+<file path=ppt/slides/slide12.xml><?xml version="1.0" encoding="utf-8"?>
 <p:sld xmlns:a="http://schemas.openxmlformats.org/drawingml/2006/main" xmlns:r="http://schemas.openxmlformats.org/officeDocument/2006/relationships" xmlns:p="http://schemas.openxmlformats.org/presentationml/2006/main">
   <p:cSld>
     <p:spTree>
@@ -8154,7 +8884,7 @@
 </p:sld>
 </file>
 
-<file path=ppt/slides/slide12.xml><?xml version="1.0" encoding="utf-8"?>
+<file path=ppt/slides/slide13.xml><?xml version="1.0" encoding="utf-8"?>
 <p:sld xmlns:a="http://schemas.openxmlformats.org/drawingml/2006/main" xmlns:r="http://schemas.openxmlformats.org/officeDocument/2006/relationships" xmlns:p="http://schemas.openxmlformats.org/presentationml/2006/main">
   <p:cSld>
     <p:spTree>
@@ -8385,7 +9115,7 @@
 </p:sld>
 </file>
 
-<file path=ppt/slides/slide13.xml><?xml version="1.0" encoding="utf-8"?>
+<file path=ppt/slides/slide14.xml><?xml version="1.0" encoding="utf-8"?>
 <p:sld xmlns:a="http://schemas.openxmlformats.org/drawingml/2006/main" xmlns:r="http://schemas.openxmlformats.org/officeDocument/2006/relationships" xmlns:p="http://schemas.openxmlformats.org/presentationml/2006/main">
   <p:cSld>
     <p:spTree>
@@ -8542,7 +9272,7 @@
 </p:sld>
 </file>
 
-<file path=ppt/slides/slide14.xml><?xml version="1.0" encoding="utf-8"?>
+<file path=ppt/slides/slide15.xml><?xml version="1.0" encoding="utf-8"?>
 <p:sld xmlns:a="http://schemas.openxmlformats.org/drawingml/2006/main" xmlns:r="http://schemas.openxmlformats.org/officeDocument/2006/relationships" xmlns:p="http://schemas.openxmlformats.org/presentationml/2006/main">
   <p:cSld>
     <p:spTree>
@@ -8632,7 +9362,7 @@
           <p:nvPr/>
         </p:nvPicPr>
         <p:blipFill>
-          <a:blip r:embed="rId2">
+          <a:blip r:embed="rId3">
             <a:extLst>
               <a:ext uri="{28A0092B-C50C-407E-A947-70E740481C1C}">
                 <a14:useLocalDpi xmlns:a14="http://schemas.microsoft.com/office/drawing/2010/main" val="0"/>
@@ -8662,7 +9392,7 @@
           <p:nvPr/>
         </p:nvPicPr>
         <p:blipFill>
-          <a:blip r:embed="rId3">
+          <a:blip r:embed="rId4">
             <a:extLst>
               <a:ext uri="{28A0092B-C50C-407E-A947-70E740481C1C}">
                 <a14:useLocalDpi xmlns:a14="http://schemas.microsoft.com/office/drawing/2010/main" val="0"/>
@@ -8675,7 +9405,7 @@
         </p:blipFill>
         <p:spPr>
           <a:xfrm>
-            <a:off x="6525672" y="4160168"/>
+            <a:off x="6536558" y="4248278"/>
             <a:ext cx="5565405" cy="2305946"/>
           </a:xfrm>
           <a:prstGeom prst="rect">
@@ -8708,7 +9438,7 @@
 </p:sld>
 </file>
 
-<file path=ppt/slides/slide15.xml><?xml version="1.0" encoding="utf-8"?>
+<file path=ppt/slides/slide16.xml><?xml version="1.0" encoding="utf-8"?>
 <p:sld xmlns:a="http://schemas.openxmlformats.org/drawingml/2006/main" xmlns:r="http://schemas.openxmlformats.org/officeDocument/2006/relationships" xmlns:p="http://schemas.openxmlformats.org/presentationml/2006/main">
   <p:cSld>
     <p:spTree>
@@ -8867,7 +9597,6 @@
               <a:rPr lang="zh-CN" altLang="en-US" dirty="0"/>
               <a:t>适合开源开发</a:t>
             </a:r>
-            <a:endParaRPr lang="zh-CN" altLang="en-US" dirty="0"/>
           </a:p>
         </p:txBody>
       </p:sp>
@@ -8903,7 +9632,7 @@
 </p:sld>
 </file>
 
-<file path=ppt/slides/slide16.xml><?xml version="1.0" encoding="utf-8"?>
+<file path=ppt/slides/slide17.xml><?xml version="1.0" encoding="utf-8"?>
 <p:sld xmlns:a="http://schemas.openxmlformats.org/drawingml/2006/main" xmlns:r="http://schemas.openxmlformats.org/officeDocument/2006/relationships" xmlns:p="http://schemas.openxmlformats.org/presentationml/2006/main">
   <p:cSld>
     <p:spTree>
@@ -9040,7 +9769,7 @@
 </p:sld>
 </file>
 
-<file path=ppt/slides/slide17.xml><?xml version="1.0" encoding="utf-8"?>
+<file path=ppt/slides/slide18.xml><?xml version="1.0" encoding="utf-8"?>
 <p:sld xmlns:a="http://schemas.openxmlformats.org/drawingml/2006/main" xmlns:r="http://schemas.openxmlformats.org/officeDocument/2006/relationships" xmlns:p="http://schemas.openxmlformats.org/presentationml/2006/main">
   <p:cSld>
     <p:spTree>
@@ -9232,7 +9961,7 @@
 </p:sld>
 </file>
 
-<file path=ppt/slides/slide18.xml><?xml version="1.0" encoding="utf-8"?>
+<file path=ppt/slides/slide19.xml><?xml version="1.0" encoding="utf-8"?>
 <p:sld xmlns:a="http://schemas.openxmlformats.org/drawingml/2006/main" xmlns:r="http://schemas.openxmlformats.org/officeDocument/2006/relationships" xmlns:p="http://schemas.openxmlformats.org/presentationml/2006/main">
   <p:cSld>
     <p:spTree>
@@ -9438,251 +10167,6 @@
     <p:extLst>
       <p:ext uri="{BB962C8B-B14F-4D97-AF65-F5344CB8AC3E}">
         <p14:creationId xmlns:p14="http://schemas.microsoft.com/office/powerpoint/2010/main" val="396496461"/>
-      </p:ext>
-    </p:extLst>
-  </p:cSld>
-  <p:clrMapOvr>
-    <a:masterClrMapping/>
-  </p:clrMapOvr>
-  <mc:AlternateContent xmlns:mc="http://schemas.openxmlformats.org/markup-compatibility/2006" xmlns:p14="http://schemas.microsoft.com/office/powerpoint/2010/main">
-    <mc:Choice Requires="p14">
-      <p:transition spd="med" p14:dur="700">
-        <p:fade/>
-      </p:transition>
-    </mc:Choice>
-    <mc:Fallback xmlns="">
-      <p:transition spd="med">
-        <p:fade/>
-      </p:transition>
-    </mc:Fallback>
-  </mc:AlternateContent>
-</p:sld>
-</file>
-
-<file path=ppt/slides/slide19.xml><?xml version="1.0" encoding="utf-8"?>
-<p:sld xmlns:a="http://schemas.openxmlformats.org/drawingml/2006/main" xmlns:r="http://schemas.openxmlformats.org/officeDocument/2006/relationships" xmlns:p="http://schemas.openxmlformats.org/presentationml/2006/main">
-  <p:cSld>
-    <p:spTree>
-      <p:nvGrpSpPr>
-        <p:cNvPr id="1" name=""/>
-        <p:cNvGrpSpPr/>
-        <p:nvPr/>
-      </p:nvGrpSpPr>
-      <p:grpSpPr>
-        <a:xfrm>
-          <a:off x="0" y="0"/>
-          <a:ext cx="0" cy="0"/>
-          <a:chOff x="0" y="0"/>
-          <a:chExt cx="0" cy="0"/>
-        </a:xfrm>
-      </p:grpSpPr>
-      <p:sp>
-        <p:nvSpPr>
-          <p:cNvPr id="2" name="标题 1"/>
-          <p:cNvSpPr>
-            <a:spLocks noGrp="1"/>
-          </p:cNvSpPr>
-          <p:nvPr>
-            <p:ph type="title"/>
-          </p:nvPr>
-        </p:nvSpPr>
-        <p:spPr/>
-        <p:txBody>
-          <a:bodyPr/>
-          <a:lstStyle/>
-          <a:p>
-            <a:r>
-              <a:rPr lang="en-US" altLang="zh-CN" dirty="0" err="1"/>
-              <a:t>Git</a:t>
-            </a:r>
-            <a:r>
-              <a:rPr lang="zh-CN" altLang="en-US" dirty="0"/>
-              <a:t>介绍</a:t>
-            </a:r>
-          </a:p>
-        </p:txBody>
-      </p:sp>
-      <p:pic>
-        <p:nvPicPr>
-          <p:cNvPr id="4" name="内容占位符 3"/>
-          <p:cNvPicPr>
-            <a:picLocks noGrp="1" noChangeAspect="1"/>
-          </p:cNvPicPr>
-          <p:nvPr>
-            <p:ph idx="1"/>
-          </p:nvPr>
-        </p:nvPicPr>
-        <p:blipFill>
-          <a:blip r:embed="rId3">
-            <a:extLst>
-              <a:ext uri="{28A0092B-C50C-407E-A947-70E740481C1C}">
-                <a14:useLocalDpi xmlns:a14="http://schemas.microsoft.com/office/drawing/2010/main" val="0"/>
-              </a:ext>
-            </a:extLst>
-          </a:blip>
-          <a:stretch>
-            <a:fillRect/>
-          </a:stretch>
-        </p:blipFill>
-        <p:spPr>
-          <a:xfrm>
-            <a:off x="4365172" y="1766433"/>
-            <a:ext cx="7620000" cy="4200525"/>
-          </a:xfrm>
-        </p:spPr>
-      </p:pic>
-      <p:sp>
-        <p:nvSpPr>
-          <p:cNvPr id="5" name="矩形 4"/>
-          <p:cNvSpPr/>
-          <p:nvPr/>
-        </p:nvSpPr>
-        <p:spPr>
-          <a:xfrm>
-            <a:off x="100149" y="1766433"/>
-            <a:ext cx="4362994" cy="2585323"/>
-          </a:xfrm>
-          <a:prstGeom prst="rect">
-            <a:avLst/>
-          </a:prstGeom>
-        </p:spPr>
-        <p:txBody>
-          <a:bodyPr wrap="square">
-            <a:spAutoFit/>
-          </a:bodyPr>
-          <a:lstStyle/>
-          <a:p>
-            <a:pPr marL="342900" indent="-342900">
-              <a:buFont typeface="Arial" panose="020B0604020202020204" pitchFamily="34" charset="0"/>
-              <a:buChar char="•"/>
-            </a:pPr>
-            <a:r>
-              <a:rPr lang="zh-CN" altLang="en-US" dirty="0">
-                <a:latin typeface="微软雅黑" panose="020B0503020204020204" pitchFamily="34" charset="-122"/>
-                <a:ea typeface="微软雅黑" panose="020B0503020204020204" pitchFamily="34" charset="-122"/>
-              </a:rPr>
-              <a:t>三种</a:t>
-            </a:r>
-            <a:r>
-              <a:rPr lang="zh-CN" altLang="en-US" dirty="0" smtClean="0">
-                <a:latin typeface="微软雅黑" panose="020B0503020204020204" pitchFamily="34" charset="-122"/>
-                <a:ea typeface="微软雅黑" panose="020B0503020204020204" pitchFamily="34" charset="-122"/>
-              </a:rPr>
-              <a:t>状态</a:t>
-            </a:r>
-            <a:endParaRPr lang="en-US" altLang="zh-CN" dirty="0" smtClean="0">
-              <a:latin typeface="微软雅黑" panose="020B0503020204020204" pitchFamily="34" charset="-122"/>
-              <a:ea typeface="微软雅黑" panose="020B0503020204020204" pitchFamily="34" charset="-122"/>
-            </a:endParaRPr>
-          </a:p>
-          <a:p>
-            <a:pPr marL="800100" lvl="1" indent="-342900">
-              <a:buFont typeface="Arial" panose="020B0604020202020204" pitchFamily="34" charset="0"/>
-              <a:buChar char="•"/>
-            </a:pPr>
-            <a:r>
-              <a:rPr lang="en-US" altLang="zh-CN" dirty="0" smtClean="0">
-                <a:latin typeface="微软雅黑" panose="020B0503020204020204" pitchFamily="34" charset="-122"/>
-                <a:ea typeface="微软雅黑" panose="020B0503020204020204" pitchFamily="34" charset="-122"/>
-              </a:rPr>
-              <a:t>Committed</a:t>
-            </a:r>
-          </a:p>
-          <a:p>
-            <a:pPr lvl="1"/>
-            <a:r>
-              <a:rPr lang="en-US" altLang="zh-CN" dirty="0" smtClean="0">
-                <a:latin typeface="微软雅黑" panose="020B0503020204020204" pitchFamily="34" charset="-122"/>
-                <a:ea typeface="微软雅黑" panose="020B0503020204020204" pitchFamily="34" charset="-122"/>
-              </a:rPr>
-              <a:t>	</a:t>
-            </a:r>
-            <a:r>
-              <a:rPr lang="zh-CN" altLang="en-US" dirty="0" smtClean="0">
-                <a:latin typeface="微软雅黑" panose="020B0503020204020204" pitchFamily="34" charset="-122"/>
-                <a:ea typeface="微软雅黑" panose="020B0503020204020204" pitchFamily="34" charset="-122"/>
-              </a:rPr>
-              <a:t>保存到本地数据库中</a:t>
-            </a:r>
-            <a:endParaRPr lang="en-US" altLang="zh-CN" dirty="0" smtClean="0">
-              <a:latin typeface="微软雅黑" panose="020B0503020204020204" pitchFamily="34" charset="-122"/>
-              <a:ea typeface="微软雅黑" panose="020B0503020204020204" pitchFamily="34" charset="-122"/>
-            </a:endParaRPr>
-          </a:p>
-          <a:p>
-            <a:pPr marL="800100" lvl="1" indent="-342900">
-              <a:buFont typeface="Arial" panose="020B0604020202020204" pitchFamily="34" charset="0"/>
-              <a:buChar char="•"/>
-            </a:pPr>
-            <a:r>
-              <a:rPr lang="en-US" altLang="zh-CN" dirty="0" smtClean="0">
-                <a:latin typeface="微软雅黑" panose="020B0503020204020204" pitchFamily="34" charset="-122"/>
-                <a:ea typeface="微软雅黑" panose="020B0503020204020204" pitchFamily="34" charset="-122"/>
-              </a:rPr>
-              <a:t>Modified </a:t>
-            </a:r>
-          </a:p>
-          <a:p>
-            <a:pPr lvl="1"/>
-            <a:r>
-              <a:rPr lang="en-US" altLang="zh-CN" dirty="0">
-                <a:latin typeface="微软雅黑" panose="020B0503020204020204" pitchFamily="34" charset="-122"/>
-                <a:ea typeface="微软雅黑" panose="020B0503020204020204" pitchFamily="34" charset="-122"/>
-              </a:rPr>
-              <a:t>	</a:t>
-            </a:r>
-            <a:r>
-              <a:rPr lang="zh-CN" altLang="en-US" dirty="0" smtClean="0">
-                <a:latin typeface="微软雅黑" panose="020B0503020204020204" pitchFamily="34" charset="-122"/>
-                <a:ea typeface="微软雅黑" panose="020B0503020204020204" pitchFamily="34" charset="-122"/>
-              </a:rPr>
-              <a:t>已修改了文件，还未保存到数据库中</a:t>
-            </a:r>
-            <a:endParaRPr lang="en-US" altLang="zh-CN" dirty="0" smtClean="0">
-              <a:latin typeface="微软雅黑" panose="020B0503020204020204" pitchFamily="34" charset="-122"/>
-              <a:ea typeface="微软雅黑" panose="020B0503020204020204" pitchFamily="34" charset="-122"/>
-            </a:endParaRPr>
-          </a:p>
-          <a:p>
-            <a:pPr marL="800100" lvl="1" indent="-342900">
-              <a:buFont typeface="Arial" panose="020B0604020202020204" pitchFamily="34" charset="0"/>
-              <a:buChar char="•"/>
-            </a:pPr>
-            <a:r>
-              <a:rPr lang="en-US" altLang="zh-CN" dirty="0" smtClean="0">
-                <a:latin typeface="微软雅黑" panose="020B0503020204020204" pitchFamily="34" charset="-122"/>
-                <a:ea typeface="微软雅黑" panose="020B0503020204020204" pitchFamily="34" charset="-122"/>
-              </a:rPr>
-              <a:t>Staged</a:t>
-            </a:r>
-          </a:p>
-          <a:p>
-            <a:pPr lvl="1"/>
-            <a:r>
-              <a:rPr lang="en-US" altLang="zh-CN" dirty="0">
-                <a:latin typeface="微软雅黑" panose="020B0503020204020204" pitchFamily="34" charset="-122"/>
-                <a:ea typeface="微软雅黑" panose="020B0503020204020204" pitchFamily="34" charset="-122"/>
-              </a:rPr>
-              <a:t>	</a:t>
-            </a:r>
-            <a:r>
-              <a:rPr lang="zh-CN" altLang="en-US" dirty="0" smtClean="0">
-                <a:latin typeface="微软雅黑" panose="020B0503020204020204" pitchFamily="34" charset="-122"/>
-                <a:ea typeface="微软雅黑" panose="020B0503020204020204" pitchFamily="34" charset="-122"/>
-              </a:rPr>
-              <a:t>对一个已修改的文件做了标记，包含在下次提交的快照中</a:t>
-            </a:r>
-            <a:endParaRPr lang="en-US" altLang="zh-CN" dirty="0">
-              <a:latin typeface="微软雅黑" panose="020B0503020204020204" pitchFamily="34" charset="-122"/>
-              <a:ea typeface="微软雅黑" panose="020B0503020204020204" pitchFamily="34" charset="-122"/>
-            </a:endParaRPr>
-          </a:p>
-        </p:txBody>
-      </p:sp>
-    </p:spTree>
-    <p:extLst>
-      <p:ext uri="{BB962C8B-B14F-4D97-AF65-F5344CB8AC3E}">
-        <p14:creationId xmlns:p14="http://schemas.microsoft.com/office/powerpoint/2010/main" val="2885591192"/>
       </p:ext>
     </p:extLst>
   </p:cSld>
@@ -9803,7 +10287,6 @@
               <a:rPr lang="en-US" altLang="zh-CN" dirty="0" smtClean="0"/>
               <a:t>-beyond compare</a:t>
             </a:r>
-            <a:endParaRPr lang="en-US" altLang="zh-CN" dirty="0" smtClean="0"/>
           </a:p>
           <a:p>
             <a:endParaRPr lang="en-US" altLang="zh-CN" dirty="0" smtClean="0"/>
@@ -9885,68 +10368,187 @@
           </a:p>
         </p:txBody>
       </p:sp>
-      <p:sp>
-        <p:nvSpPr>
-          <p:cNvPr id="3" name="内容占位符 2"/>
-          <p:cNvSpPr>
-            <a:spLocks noGrp="1"/>
-          </p:cNvSpPr>
+      <p:pic>
+        <p:nvPicPr>
+          <p:cNvPr id="4" name="内容占位符 3"/>
+          <p:cNvPicPr>
+            <a:picLocks noGrp="1" noChangeAspect="1"/>
+          </p:cNvPicPr>
           <p:nvPr>
             <p:ph idx="1"/>
           </p:nvPr>
-        </p:nvSpPr>
+        </p:nvPicPr>
+        <p:blipFill>
+          <a:blip r:embed="rId3">
+            <a:extLst>
+              <a:ext uri="{28A0092B-C50C-407E-A947-70E740481C1C}">
+                <a14:useLocalDpi xmlns:a14="http://schemas.microsoft.com/office/drawing/2010/main" val="0"/>
+              </a:ext>
+            </a:extLst>
+          </a:blip>
+          <a:stretch>
+            <a:fillRect/>
+          </a:stretch>
+        </p:blipFill>
         <p:spPr>
           <a:xfrm>
-            <a:off x="1341120" y="1673352"/>
-            <a:ext cx="9509760" cy="2237341"/>
+            <a:off x="4365172" y="1766433"/>
+            <a:ext cx="7620000" cy="4200525"/>
           </a:xfrm>
         </p:spPr>
-        <p:txBody>
-          <a:bodyPr/>
+      </p:pic>
+      <p:sp>
+        <p:nvSpPr>
+          <p:cNvPr id="5" name="矩形 4"/>
+          <p:cNvSpPr/>
+          <p:nvPr/>
+        </p:nvSpPr>
+        <p:spPr>
+          <a:xfrm>
+            <a:off x="100149" y="1766433"/>
+            <a:ext cx="4362994" cy="2585323"/>
+          </a:xfrm>
+          <a:prstGeom prst="rect">
+            <a:avLst/>
+          </a:prstGeom>
+        </p:spPr>
+        <p:txBody>
+          <a:bodyPr wrap="square">
+            <a:spAutoFit/>
+          </a:bodyPr>
           <a:lstStyle/>
           <a:p>
-            <a:r>
-              <a:rPr lang="zh-CN" altLang="en-US" dirty="0" smtClean="0"/>
-              <a:t>服务器端（</a:t>
-            </a:r>
+            <a:pPr marL="342900" indent="-342900">
+              <a:buFont typeface="Arial" panose="020B0604020202020204" pitchFamily="34" charset="0"/>
+              <a:buChar char="•"/>
+            </a:pPr>
+            <a:r>
+              <a:rPr lang="zh-CN" altLang="en-US" dirty="0">
+                <a:latin typeface="微软雅黑" panose="020B0503020204020204" pitchFamily="34" charset="-122"/>
+                <a:ea typeface="微软雅黑" panose="020B0503020204020204" pitchFamily="34" charset="-122"/>
+              </a:rPr>
+              <a:t>三种</a:t>
+            </a:r>
+            <a:r>
+              <a:rPr lang="zh-CN" altLang="en-US" dirty="0" smtClean="0">
+                <a:latin typeface="微软雅黑" panose="020B0503020204020204" pitchFamily="34" charset="-122"/>
+                <a:ea typeface="微软雅黑" panose="020B0503020204020204" pitchFamily="34" charset="-122"/>
+              </a:rPr>
+              <a:t>状态</a:t>
+            </a:r>
+            <a:endParaRPr lang="en-US" altLang="zh-CN" dirty="0" smtClean="0">
+              <a:latin typeface="微软雅黑" panose="020B0503020204020204" pitchFamily="34" charset="-122"/>
+              <a:ea typeface="微软雅黑" panose="020B0503020204020204" pitchFamily="34" charset="-122"/>
+            </a:endParaRPr>
+          </a:p>
+          <a:p>
+            <a:pPr marL="800100" lvl="1" indent="-342900">
+              <a:buFont typeface="Arial" panose="020B0604020202020204" pitchFamily="34" charset="0"/>
+              <a:buChar char="•"/>
+            </a:pPr>
             <a:r>
               <a:rPr lang="en-US" altLang="zh-CN" dirty="0" smtClean="0">
-                <a:hlinkClick r:id="rId3"/>
+                <a:latin typeface="微软雅黑" panose="020B0503020204020204" pitchFamily="34" charset="-122"/>
+                <a:ea typeface="微软雅黑" panose="020B0503020204020204" pitchFamily="34" charset="-122"/>
               </a:rPr>
-              <a:t>http://192.168.18.11:10101</a:t>
-            </a:r>
-            <a:r>
-              <a:rPr lang="zh-CN" altLang="en-US" dirty="0" smtClean="0"/>
-              <a:t>）</a:t>
-            </a:r>
-            <a:endParaRPr lang="en-US" altLang="zh-CN" dirty="0" smtClean="0"/>
-          </a:p>
-          <a:p>
-            <a:r>
-              <a:rPr lang="zh-CN" altLang="en-US" dirty="0" smtClean="0"/>
-              <a:t>客户端的使用</a:t>
-            </a:r>
-            <a:endParaRPr lang="en-US" altLang="zh-CN" dirty="0" smtClean="0"/>
-          </a:p>
-          <a:p>
-            <a:r>
-              <a:rPr lang="zh-CN" altLang="en-US" dirty="0" smtClean="0"/>
-              <a:t>一些基本操作</a:t>
-            </a:r>
-            <a:endParaRPr lang="en-US" altLang="zh-CN" dirty="0" smtClean="0"/>
-          </a:p>
-          <a:p>
-            <a:r>
-              <a:rPr lang="en-US" altLang="zh-CN" dirty="0" smtClean="0"/>
-              <a:t>GitHub</a:t>
-            </a:r>
+              <a:t>Committed</a:t>
+            </a:r>
+          </a:p>
+          <a:p>
+            <a:pPr lvl="1"/>
+            <a:r>
+              <a:rPr lang="en-US" altLang="zh-CN" dirty="0" smtClean="0">
+                <a:latin typeface="微软雅黑" panose="020B0503020204020204" pitchFamily="34" charset="-122"/>
+                <a:ea typeface="微软雅黑" panose="020B0503020204020204" pitchFamily="34" charset="-122"/>
+              </a:rPr>
+              <a:t>	</a:t>
+            </a:r>
+            <a:r>
+              <a:rPr lang="zh-CN" altLang="en-US" dirty="0" smtClean="0">
+                <a:latin typeface="微软雅黑" panose="020B0503020204020204" pitchFamily="34" charset="-122"/>
+                <a:ea typeface="微软雅黑" panose="020B0503020204020204" pitchFamily="34" charset="-122"/>
+              </a:rPr>
+              <a:t>保存到本地数据库中</a:t>
+            </a:r>
+            <a:endParaRPr lang="en-US" altLang="zh-CN" dirty="0" smtClean="0">
+              <a:latin typeface="微软雅黑" panose="020B0503020204020204" pitchFamily="34" charset="-122"/>
+              <a:ea typeface="微软雅黑" panose="020B0503020204020204" pitchFamily="34" charset="-122"/>
+            </a:endParaRPr>
+          </a:p>
+          <a:p>
+            <a:pPr marL="800100" lvl="1" indent="-342900">
+              <a:buFont typeface="Arial" panose="020B0604020202020204" pitchFamily="34" charset="0"/>
+              <a:buChar char="•"/>
+            </a:pPr>
+            <a:r>
+              <a:rPr lang="en-US" altLang="zh-CN" dirty="0" smtClean="0">
+                <a:latin typeface="微软雅黑" panose="020B0503020204020204" pitchFamily="34" charset="-122"/>
+                <a:ea typeface="微软雅黑" panose="020B0503020204020204" pitchFamily="34" charset="-122"/>
+              </a:rPr>
+              <a:t>Modified </a:t>
+            </a:r>
+          </a:p>
+          <a:p>
+            <a:pPr lvl="1"/>
+            <a:r>
+              <a:rPr lang="en-US" altLang="zh-CN" dirty="0">
+                <a:latin typeface="微软雅黑" panose="020B0503020204020204" pitchFamily="34" charset="-122"/>
+                <a:ea typeface="微软雅黑" panose="020B0503020204020204" pitchFamily="34" charset="-122"/>
+              </a:rPr>
+              <a:t>	</a:t>
+            </a:r>
+            <a:r>
+              <a:rPr lang="zh-CN" altLang="en-US" dirty="0" smtClean="0">
+                <a:latin typeface="微软雅黑" panose="020B0503020204020204" pitchFamily="34" charset="-122"/>
+                <a:ea typeface="微软雅黑" panose="020B0503020204020204" pitchFamily="34" charset="-122"/>
+              </a:rPr>
+              <a:t>已修改了文件，还未保存到数据库中</a:t>
+            </a:r>
+            <a:endParaRPr lang="en-US" altLang="zh-CN" dirty="0" smtClean="0">
+              <a:latin typeface="微软雅黑" panose="020B0503020204020204" pitchFamily="34" charset="-122"/>
+              <a:ea typeface="微软雅黑" panose="020B0503020204020204" pitchFamily="34" charset="-122"/>
+            </a:endParaRPr>
+          </a:p>
+          <a:p>
+            <a:pPr marL="800100" lvl="1" indent="-342900">
+              <a:buFont typeface="Arial" panose="020B0604020202020204" pitchFamily="34" charset="0"/>
+              <a:buChar char="•"/>
+            </a:pPr>
+            <a:r>
+              <a:rPr lang="en-US" altLang="zh-CN" dirty="0" smtClean="0">
+                <a:latin typeface="微软雅黑" panose="020B0503020204020204" pitchFamily="34" charset="-122"/>
+                <a:ea typeface="微软雅黑" panose="020B0503020204020204" pitchFamily="34" charset="-122"/>
+              </a:rPr>
+              <a:t>Staged</a:t>
+            </a:r>
+          </a:p>
+          <a:p>
+            <a:pPr lvl="1"/>
+            <a:r>
+              <a:rPr lang="en-US" altLang="zh-CN" dirty="0">
+                <a:latin typeface="微软雅黑" panose="020B0503020204020204" pitchFamily="34" charset="-122"/>
+                <a:ea typeface="微软雅黑" panose="020B0503020204020204" pitchFamily="34" charset="-122"/>
+              </a:rPr>
+              <a:t>	</a:t>
+            </a:r>
+            <a:r>
+              <a:rPr lang="zh-CN" altLang="en-US" dirty="0" smtClean="0">
+                <a:latin typeface="微软雅黑" panose="020B0503020204020204" pitchFamily="34" charset="-122"/>
+                <a:ea typeface="微软雅黑" panose="020B0503020204020204" pitchFamily="34" charset="-122"/>
+              </a:rPr>
+              <a:t>对一个已修改的文件做了标记，包含在下次提交的快照中</a:t>
+            </a:r>
+            <a:endParaRPr lang="en-US" altLang="zh-CN" dirty="0">
+              <a:latin typeface="微软雅黑" panose="020B0503020204020204" pitchFamily="34" charset="-122"/>
+              <a:ea typeface="微软雅黑" panose="020B0503020204020204" pitchFamily="34" charset="-122"/>
+            </a:endParaRPr>
           </a:p>
         </p:txBody>
       </p:sp>
     </p:spTree>
     <p:extLst>
       <p:ext uri="{BB962C8B-B14F-4D97-AF65-F5344CB8AC3E}">
-        <p14:creationId xmlns:p14="http://schemas.microsoft.com/office/powerpoint/2010/main" val="1793920186"/>
+        <p14:creationId xmlns:p14="http://schemas.microsoft.com/office/powerpoint/2010/main" val="2885591192"/>
       </p:ext>
     </p:extLst>
   </p:cSld>
@@ -10001,10 +10603,13 @@
           <a:lstStyle/>
           <a:p>
             <a:r>
-              <a:rPr lang="zh-CN" altLang="en-US" dirty="0" smtClean="0"/>
-              <a:t>服务器端</a:t>
-            </a:r>
-            <a:endParaRPr lang="zh-CN" altLang="en-US" dirty="0"/>
+              <a:rPr lang="en-US" altLang="zh-CN" dirty="0" err="1"/>
+              <a:t>Git</a:t>
+            </a:r>
+            <a:r>
+              <a:rPr lang="zh-CN" altLang="en-US" dirty="0"/>
+              <a:t>介绍</a:t>
+            </a:r>
           </a:p>
         </p:txBody>
       </p:sp>
@@ -10018,14 +10623,148 @@
             <p:ph idx="1"/>
           </p:nvPr>
         </p:nvSpPr>
-        <p:spPr/>
+        <p:spPr>
+          <a:xfrm>
+            <a:off x="1341120" y="1673352"/>
+            <a:ext cx="9509760" cy="2237341"/>
+          </a:xfrm>
+        </p:spPr>
         <p:txBody>
           <a:bodyPr/>
           <a:lstStyle/>
           <a:p>
             <a:r>
               <a:rPr lang="zh-CN" altLang="en-US" dirty="0" smtClean="0"/>
-              <a:t>版本库的状态</a:t>
+              <a:t>服务器端（</a:t>
+            </a:r>
+            <a:r>
+              <a:rPr lang="en-US" altLang="zh-CN" dirty="0" smtClean="0">
+                <a:hlinkClick r:id="rId3"/>
+              </a:rPr>
+              <a:t>http://192.168.18.11:10101</a:t>
+            </a:r>
+            <a:r>
+              <a:rPr lang="zh-CN" altLang="en-US" dirty="0" smtClean="0"/>
+              <a:t>）</a:t>
+            </a:r>
+            <a:endParaRPr lang="en-US" altLang="zh-CN" dirty="0" smtClean="0"/>
+          </a:p>
+          <a:p>
+            <a:r>
+              <a:rPr lang="zh-CN" altLang="en-US" dirty="0" smtClean="0"/>
+              <a:t>客户端的使用</a:t>
+            </a:r>
+            <a:endParaRPr lang="en-US" altLang="zh-CN" dirty="0" smtClean="0"/>
+          </a:p>
+          <a:p>
+            <a:r>
+              <a:rPr lang="zh-CN" altLang="en-US" dirty="0" smtClean="0"/>
+              <a:t>一些基本操作</a:t>
+            </a:r>
+            <a:endParaRPr lang="en-US" altLang="zh-CN" dirty="0" smtClean="0"/>
+          </a:p>
+          <a:p>
+            <a:r>
+              <a:rPr lang="en-US" altLang="zh-CN" dirty="0" smtClean="0"/>
+              <a:t>GitHub</a:t>
+            </a:r>
+          </a:p>
+        </p:txBody>
+      </p:sp>
+    </p:spTree>
+    <p:extLst>
+      <p:ext uri="{BB962C8B-B14F-4D97-AF65-F5344CB8AC3E}">
+        <p14:creationId xmlns:p14="http://schemas.microsoft.com/office/powerpoint/2010/main" val="1793920186"/>
+      </p:ext>
+    </p:extLst>
+  </p:cSld>
+  <p:clrMapOvr>
+    <a:masterClrMapping/>
+  </p:clrMapOvr>
+  <mc:AlternateContent xmlns:mc="http://schemas.openxmlformats.org/markup-compatibility/2006" xmlns:p14="http://schemas.microsoft.com/office/powerpoint/2010/main">
+    <mc:Choice Requires="p14">
+      <p:transition spd="med" p14:dur="700">
+        <p:fade/>
+      </p:transition>
+    </mc:Choice>
+    <mc:Fallback xmlns="">
+      <p:transition spd="med">
+        <p:fade/>
+      </p:transition>
+    </mc:Fallback>
+  </mc:AlternateContent>
+</p:sld>
+</file>
+
+<file path=ppt/slides/slide22.xml><?xml version="1.0" encoding="utf-8"?>
+<p:sld xmlns:a="http://schemas.openxmlformats.org/drawingml/2006/main" xmlns:r="http://schemas.openxmlformats.org/officeDocument/2006/relationships" xmlns:p="http://schemas.openxmlformats.org/presentationml/2006/main">
+  <p:cSld>
+    <p:spTree>
+      <p:nvGrpSpPr>
+        <p:cNvPr id="1" name=""/>
+        <p:cNvGrpSpPr/>
+        <p:nvPr/>
+      </p:nvGrpSpPr>
+      <p:grpSpPr>
+        <a:xfrm>
+          <a:off x="0" y="0"/>
+          <a:ext cx="0" cy="0"/>
+          <a:chOff x="0" y="0"/>
+          <a:chExt cx="0" cy="0"/>
+        </a:xfrm>
+      </p:grpSpPr>
+      <p:sp>
+        <p:nvSpPr>
+          <p:cNvPr id="2" name="标题 1"/>
+          <p:cNvSpPr>
+            <a:spLocks noGrp="1"/>
+          </p:cNvSpPr>
+          <p:nvPr>
+            <p:ph type="title"/>
+          </p:nvPr>
+        </p:nvSpPr>
+        <p:spPr/>
+        <p:txBody>
+          <a:bodyPr/>
+          <a:lstStyle/>
+          <a:p>
+            <a:r>
+              <a:rPr lang="zh-CN" altLang="en-US" dirty="0" smtClean="0"/>
+              <a:t>服务器端</a:t>
+            </a:r>
+            <a:endParaRPr lang="zh-CN" altLang="en-US" dirty="0"/>
+          </a:p>
+        </p:txBody>
+      </p:sp>
+      <p:sp>
+        <p:nvSpPr>
+          <p:cNvPr id="3" name="内容占位符 2"/>
+          <p:cNvSpPr>
+            <a:spLocks noGrp="1"/>
+          </p:cNvSpPr>
+          <p:nvPr>
+            <p:ph idx="1"/>
+          </p:nvPr>
+        </p:nvSpPr>
+        <p:spPr/>
+        <p:txBody>
+          <a:bodyPr/>
+          <a:lstStyle/>
+          <a:p>
+            <a:r>
+              <a:rPr lang="en-US" altLang="zh-CN" dirty="0" err="1" smtClean="0"/>
+              <a:t>GitBlit</a:t>
+            </a:r>
+            <a:endParaRPr lang="en-US" altLang="zh-CN" dirty="0" smtClean="0"/>
+          </a:p>
+          <a:p>
+            <a:r>
+              <a:rPr lang="zh-CN" altLang="en-US" dirty="0" smtClean="0"/>
+              <a:t>版本</a:t>
+            </a:r>
+            <a:r>
+              <a:rPr lang="zh-CN" altLang="en-US" dirty="0" smtClean="0"/>
+              <a:t>库的状态</a:t>
             </a:r>
             <a:endParaRPr lang="en-US" altLang="zh-CN" dirty="0" smtClean="0"/>
           </a:p>
@@ -10063,8 +10802,8 @@
         </p:blipFill>
         <p:spPr>
           <a:xfrm>
-            <a:off x="3030346" y="2310494"/>
-            <a:ext cx="9161654" cy="4237264"/>
+            <a:off x="3124199" y="2573738"/>
+            <a:ext cx="9024257" cy="4173718"/>
           </a:xfrm>
           <a:prstGeom prst="rect">
             <a:avLst/>
@@ -10096,7 +10835,7 @@
 </p:sld>
 </file>
 
-<file path=ppt/slides/slide22.xml><?xml version="1.0" encoding="utf-8"?>
+<file path=ppt/slides/slide23.xml><?xml version="1.0" encoding="utf-8"?>
 <p:sld xmlns:a="http://schemas.openxmlformats.org/drawingml/2006/main" xmlns:r="http://schemas.openxmlformats.org/officeDocument/2006/relationships" xmlns:p="http://schemas.openxmlformats.org/presentationml/2006/main">
   <p:cSld>
     <p:spTree>
@@ -10219,7 +10958,7 @@
 </p:sld>
 </file>
 
-<file path=ppt/slides/slide23.xml><?xml version="1.0" encoding="utf-8"?>
+<file path=ppt/slides/slide24.xml><?xml version="1.0" encoding="utf-8"?>
 <p:sld xmlns:a="http://schemas.openxmlformats.org/drawingml/2006/main" xmlns:r="http://schemas.openxmlformats.org/officeDocument/2006/relationships" xmlns:p="http://schemas.openxmlformats.org/presentationml/2006/main">
   <p:cSld>
     <p:spTree>
@@ -10330,7 +11069,7 @@
           <p:nvPr/>
         </p:nvPicPr>
         <p:blipFill>
-          <a:blip r:embed="rId2"/>
+          <a:blip r:embed="rId3"/>
           <a:stretch>
             <a:fillRect/>
           </a:stretch>
@@ -10354,7 +11093,7 @@
           <p:nvPr/>
         </p:nvPicPr>
         <p:blipFill>
-          <a:blip r:embed="rId3">
+          <a:blip r:embed="rId4">
             <a:extLst>
               <a:ext uri="{28A0092B-C50C-407E-A947-70E740481C1C}">
                 <a14:useLocalDpi xmlns:a14="http://schemas.microsoft.com/office/drawing/2010/main" val="0"/>
@@ -10397,149 +11136,6 @@
       </p:transition>
     </mc:Fallback>
   </mc:AlternateContent>
-</p:sld>
-</file>
-
-<file path=ppt/slides/slide24.xml><?xml version="1.0" encoding="utf-8"?>
-<p:sld xmlns:a="http://schemas.openxmlformats.org/drawingml/2006/main" xmlns:r="http://schemas.openxmlformats.org/officeDocument/2006/relationships" xmlns:p="http://schemas.openxmlformats.org/presentationml/2006/main">
-  <p:cSld>
-    <p:spTree>
-      <p:nvGrpSpPr>
-        <p:cNvPr id="1" name=""/>
-        <p:cNvGrpSpPr/>
-        <p:nvPr/>
-      </p:nvGrpSpPr>
-      <p:grpSpPr>
-        <a:xfrm>
-          <a:off x="0" y="0"/>
-          <a:ext cx="0" cy="0"/>
-          <a:chOff x="0" y="0"/>
-          <a:chExt cx="0" cy="0"/>
-        </a:xfrm>
-      </p:grpSpPr>
-      <p:sp>
-        <p:nvSpPr>
-          <p:cNvPr id="2" name="标题 1"/>
-          <p:cNvSpPr>
-            <a:spLocks noGrp="1"/>
-          </p:cNvSpPr>
-          <p:nvPr>
-            <p:ph type="title"/>
-          </p:nvPr>
-        </p:nvSpPr>
-        <p:spPr/>
-        <p:txBody>
-          <a:bodyPr/>
-          <a:lstStyle/>
-          <a:p>
-            <a:r>
-              <a:rPr lang="zh-CN" altLang="en-US"/>
-              <a:t>客户端使用</a:t>
-            </a:r>
-            <a:endParaRPr lang="zh-CN" altLang="en-US" dirty="0"/>
-          </a:p>
-        </p:txBody>
-      </p:sp>
-      <p:sp>
-        <p:nvSpPr>
-          <p:cNvPr id="3" name="内容占位符 2"/>
-          <p:cNvSpPr>
-            <a:spLocks noGrp="1"/>
-          </p:cNvSpPr>
-          <p:nvPr>
-            <p:ph idx="1"/>
-          </p:nvPr>
-        </p:nvSpPr>
-        <p:spPr/>
-        <p:txBody>
-          <a:bodyPr/>
-          <a:lstStyle/>
-          <a:p>
-            <a:r>
-              <a:rPr lang="en-US" altLang="zh-CN" dirty="0" smtClean="0"/>
-              <a:t>GIT</a:t>
-            </a:r>
-            <a:r>
-              <a:rPr lang="zh-CN" altLang="en-US" dirty="0" smtClean="0"/>
-              <a:t>的基本操作</a:t>
-            </a:r>
-            <a:endParaRPr lang="en-US" altLang="zh-CN" dirty="0" smtClean="0"/>
-          </a:p>
-          <a:p>
-            <a:pPr lvl="1"/>
-            <a:r>
-              <a:rPr lang="zh-CN" altLang="en-US" dirty="0" smtClean="0"/>
-              <a:t>单人版本管理</a:t>
-            </a:r>
-            <a:endParaRPr lang="en-US" altLang="zh-CN" dirty="0" smtClean="0"/>
-          </a:p>
-          <a:p>
-            <a:pPr lvl="2"/>
-            <a:r>
-              <a:rPr lang="zh-CN" altLang="en-US" dirty="0" smtClean="0"/>
-              <a:t>版本的更新</a:t>
-            </a:r>
-            <a:endParaRPr lang="en-US" altLang="zh-CN" dirty="0" smtClean="0"/>
-          </a:p>
-          <a:p>
-            <a:pPr lvl="2"/>
-            <a:r>
-              <a:rPr lang="zh-CN" altLang="en-US" dirty="0" smtClean="0"/>
-              <a:t>版本的回退</a:t>
-            </a:r>
-            <a:endParaRPr lang="en-US" altLang="zh-CN" dirty="0" smtClean="0"/>
-          </a:p>
-          <a:p>
-            <a:pPr lvl="1"/>
-            <a:r>
-              <a:rPr lang="zh-CN" altLang="en-US" dirty="0"/>
-              <a:t>多</a:t>
-            </a:r>
-            <a:r>
-              <a:rPr lang="zh-CN" altLang="en-US" dirty="0" smtClean="0"/>
-              <a:t>人协同开发</a:t>
-            </a:r>
-            <a:endParaRPr lang="en-US" altLang="zh-CN" dirty="0" smtClean="0"/>
-          </a:p>
-          <a:p>
-            <a:pPr lvl="2"/>
-            <a:r>
-              <a:rPr lang="zh-CN" altLang="en-US" dirty="0" smtClean="0"/>
-              <a:t>冲突的解决</a:t>
-            </a:r>
-            <a:endParaRPr lang="zh-CN" altLang="en-US" dirty="0"/>
-          </a:p>
-        </p:txBody>
-      </p:sp>
-    </p:spTree>
-    <p:extLst>
-      <p:ext uri="{BB962C8B-B14F-4D97-AF65-F5344CB8AC3E}">
-        <p14:creationId xmlns:p14="http://schemas.microsoft.com/office/powerpoint/2010/main" val="2031554639"/>
-      </p:ext>
-    </p:extLst>
-  </p:cSld>
-  <p:clrMapOvr>
-    <a:masterClrMapping/>
-  </p:clrMapOvr>
-  <mc:AlternateContent xmlns:mc="http://schemas.openxmlformats.org/markup-compatibility/2006" xmlns:p14="http://schemas.microsoft.com/office/powerpoint/2010/main">
-    <mc:Choice Requires="p14">
-      <p:transition spd="med" p14:dur="700">
-        <p:fade/>
-      </p:transition>
-    </mc:Choice>
-    <mc:Fallback xmlns="">
-      <p:transition spd="med">
-        <p:fade/>
-      </p:transition>
-    </mc:Fallback>
-  </mc:AlternateContent>
-  <p:timing>
-    <p:tnLst>
-      <p:par>
-        <p:cTn id="1" dur="indefinite" restart="never" nodeType="tmRoot"/>
-      </p:par>
-    </p:tnLst>
-  </p:timing>
 </p:sld>
 </file>
 
@@ -10951,6 +11547,13 @@
       </p:transition>
     </mc:Fallback>
   </mc:AlternateContent>
+  <p:timing>
+    <p:tnLst>
+      <p:par>
+        <p:cTn id="1" dur="indefinite" restart="never" nodeType="tmRoot"/>
+      </p:par>
+    </p:tnLst>
+  </p:timing>
 </p:sld>
 </file>
 
@@ -11010,8 +11613,12 @@
           <a:lstStyle/>
           <a:p>
             <a:r>
-              <a:rPr lang="en-US" altLang="zh-CN" dirty="0" err="1"/>
-              <a:t>gitHub</a:t>
+              <a:rPr lang="en-US" altLang="zh-CN" dirty="0"/>
+              <a:t>G</a:t>
+            </a:r>
+            <a:r>
+              <a:rPr lang="en-US" altLang="zh-CN" dirty="0" smtClean="0"/>
+              <a:t>itHub</a:t>
             </a:r>
             <a:r>
               <a:rPr lang="zh-CN" altLang="en-US" dirty="0"/>
@@ -11043,11 +11650,19 @@
             </a:r>
             <a:r>
               <a:rPr lang="zh-CN" altLang="en-US" dirty="0"/>
-              <a:t>作为唯一的版本库格式进行托管，故名</a:t>
-            </a:r>
-            <a:r>
-              <a:rPr lang="en-US" altLang="zh-CN" dirty="0" err="1"/>
-              <a:t>gitHub</a:t>
+              <a:t>作为唯一的版本库格式进行托管，故</a:t>
+            </a:r>
+            <a:r>
+              <a:rPr lang="zh-CN" altLang="en-US" dirty="0" smtClean="0"/>
+              <a:t>名</a:t>
+            </a:r>
+            <a:r>
+              <a:rPr lang="en-US" altLang="zh-CN" dirty="0"/>
+              <a:t>G</a:t>
+            </a:r>
+            <a:r>
+              <a:rPr lang="en-US" altLang="zh-CN" dirty="0" smtClean="0"/>
+              <a:t>itHub</a:t>
             </a:r>
             <a:endParaRPr lang="zh-CN" altLang="en-US" dirty="0"/>
           </a:p>
@@ -11190,6 +11805,13 @@
       </p:transition>
     </mc:Fallback>
   </mc:AlternateContent>
+  <p:timing>
+    <p:tnLst>
+      <p:par>
+        <p:cTn id="1" dur="indefinite" restart="never" nodeType="tmRoot"/>
+      </p:par>
+    </p:tnLst>
+  </p:timing>
 </p:sld>
 </file>
 
@@ -11324,8 +11946,8 @@
           <a:lstStyle/>
           <a:p>
             <a:r>
-              <a:rPr lang="zh-CN" altLang="en-US" dirty="0" smtClean="0"/>
-              <a:t>版本控制</a:t>
+              <a:rPr lang="zh-CN" altLang="en-US" dirty="0"/>
+              <a:t>问题</a:t>
             </a:r>
             <a:endParaRPr lang="zh-CN" altLang="en-US" dirty="0"/>
           </a:p>
@@ -11528,11 +12150,7 @@
           <a:p>
             <a:r>
               <a:rPr lang="zh-CN" altLang="en-US" sz="1800" dirty="0"/>
-              <a:t>写文档</a:t>
-            </a:r>
-            <a:r>
-              <a:rPr lang="zh-CN" altLang="en-US" sz="1800" dirty="0"/>
-              <a:t>神器</a:t>
+              <a:t>写文档神器</a:t>
             </a:r>
             <a:endParaRPr lang="en-US" altLang="zh-CN" sz="1800" dirty="0"/>
           </a:p>
@@ -11562,11 +12180,7 @@
           <a:p>
             <a:r>
               <a:rPr lang="zh-CN" altLang="en-US" sz="1800" dirty="0"/>
-              <a:t>找男</a:t>
-            </a:r>
-            <a:r>
-              <a:rPr lang="zh-CN" altLang="en-US" sz="1800" dirty="0"/>
-              <a:t>票（</a:t>
+              <a:t>找男票（</a:t>
             </a:r>
             <a:r>
               <a:rPr lang="en-US" altLang="zh-CN" sz="1800" dirty="0">
@@ -11591,11 +12205,7 @@
             </a:r>
             <a:r>
               <a:rPr lang="zh-CN" altLang="en-US" sz="1800" dirty="0"/>
-              <a:t>搭建博客、个人网站或者公司官</a:t>
-            </a:r>
-            <a:r>
-              <a:rPr lang="zh-CN" altLang="en-US" sz="1800" dirty="0"/>
-              <a:t>网</a:t>
+              <a:t>搭建博客、个人网站或者公司官网</a:t>
             </a:r>
             <a:endParaRPr lang="en-US" altLang="zh-CN" sz="1800" dirty="0"/>
           </a:p>
@@ -11609,22 +12219,14 @@
           <a:p>
             <a:r>
               <a:rPr lang="zh-CN" altLang="en-US" sz="1800" dirty="0"/>
-              <a:t>科研项目及</a:t>
-            </a:r>
+              <a:t>科研项目及数据</a:t>
+            </a:r>
+            <a:endParaRPr lang="en-US" altLang="zh-CN" sz="1800" dirty="0"/>
+          </a:p>
+          <a:p>
             <a:r>
               <a:rPr lang="zh-CN" altLang="en-US" sz="1800" dirty="0"/>
-              <a:t>数据</a:t>
-            </a:r>
-            <a:endParaRPr lang="en-US" altLang="zh-CN" sz="1800" dirty="0"/>
-          </a:p>
-          <a:p>
-            <a:r>
-              <a:rPr lang="zh-CN" altLang="en-US" sz="1800" dirty="0"/>
-              <a:t>个人</a:t>
-            </a:r>
-            <a:r>
-              <a:rPr lang="zh-CN" altLang="en-US" sz="1800" dirty="0"/>
-              <a:t>简历</a:t>
+              <a:t>个人简历</a:t>
             </a:r>
             <a:endParaRPr lang="en-US" altLang="zh-CN" sz="1800" dirty="0"/>
           </a:p>
@@ -11682,6 +12284,13 @@
       </p:transition>
     </mc:Fallback>
   </mc:AlternateContent>
+  <p:timing>
+    <p:tnLst>
+      <p:par>
+        <p:cTn id="1" dur="indefinite" restart="never" nodeType="tmRoot"/>
+      </p:par>
+    </p:tnLst>
+  </p:timing>
 </p:sld>
 </file>
 
@@ -11784,7 +12393,6 @@
               <a:rPr lang="zh-CN" altLang="en-US" dirty="0"/>
               <a:t>图片</a:t>
             </a:r>
-            <a:endParaRPr lang="zh-CN" altLang="en-US" dirty="0"/>
           </a:p>
         </p:txBody>
       </p:sp>
@@ -12706,11 +13314,11 @@
               <a:t> </a:t>
             </a:r>
             <a:r>
-              <a:rPr lang="zh-CN" altLang="en-US" dirty="0"/>
-              <a:t>在这类系统中，像 </a:t>
-            </a:r>
-            <a:r>
-              <a:rPr lang="en-US" altLang="zh-CN" dirty="0" err="1"/>
+              <a:rPr lang="zh-CN" altLang="en-US" dirty="0" smtClean="0"/>
+              <a:t>代表：</a:t>
+            </a:r>
+            <a:r>
+              <a:rPr lang="en-US" altLang="zh-CN" dirty="0" err="1" smtClean="0"/>
               <a:t>Git</a:t>
             </a:r>
             <a:r>
@@ -12848,10 +13456,9 @@
           <a:lstStyle/>
           <a:p>
             <a:r>
-              <a:rPr lang="zh-CN" altLang="en-US" dirty="0" smtClean="0"/>
-              <a:t>版本管理的基本概念</a:t>
-            </a:r>
-            <a:endParaRPr lang="zh-CN" altLang="en-US" dirty="0"/>
+              <a:rPr lang="zh-CN" altLang="en-US" dirty="0"/>
+              <a:t>版本管理的简史</a:t>
+            </a:r>
           </a:p>
         </p:txBody>
       </p:sp>
@@ -12871,84 +13478,33 @@
           <a:lstStyle/>
           <a:p>
             <a:r>
-              <a:rPr lang="en-US" altLang="zh-CN" dirty="0" smtClean="0"/>
-              <a:t>Repository</a:t>
-            </a:r>
-            <a:r>
-              <a:rPr lang="zh-CN" altLang="en-US" dirty="0" smtClean="0"/>
-              <a:t>（仓库）</a:t>
+              <a:rPr lang="zh-CN" altLang="en-US" dirty="0" smtClean="0"/>
+              <a:t>手写</a:t>
             </a:r>
             <a:endParaRPr lang="en-US" altLang="zh-CN" dirty="0" smtClean="0"/>
           </a:p>
           <a:p>
-            <a:pPr lvl="1"/>
-            <a:r>
-              <a:rPr lang="zh-CN" altLang="en-US" dirty="0" smtClean="0"/>
-              <a:t>文件服务器，记录每一次变更</a:t>
+            <a:r>
+              <a:rPr lang="zh-CN" altLang="en-US" dirty="0" smtClean="0"/>
+              <a:t>本地版本控制系统</a:t>
             </a:r>
             <a:endParaRPr lang="en-US" altLang="zh-CN" dirty="0" smtClean="0"/>
           </a:p>
           <a:p>
             <a:r>
-              <a:rPr lang="en-US" altLang="zh-CN" dirty="0" smtClean="0"/>
-              <a:t>Trunk</a:t>
-            </a:r>
-          </a:p>
-          <a:p>
-            <a:pPr lvl="1"/>
-            <a:r>
-              <a:rPr lang="zh-CN" altLang="en-US" dirty="0" smtClean="0"/>
-              <a:t>主方向开发，新功能添加</a:t>
-            </a:r>
-            <a:endParaRPr lang="en-US" altLang="zh-CN" dirty="0"/>
-          </a:p>
-          <a:p>
-            <a:r>
-              <a:rPr lang="en-US" altLang="zh-CN" dirty="0" smtClean="0"/>
-              <a:t>Tag</a:t>
-            </a:r>
-          </a:p>
-          <a:p>
-            <a:pPr lvl="1"/>
-            <a:r>
-              <a:rPr lang="zh-CN" altLang="en-US" dirty="0"/>
-              <a:t>用于记录和保存每个</a:t>
-            </a:r>
-            <a:r>
-              <a:rPr lang="en-US" altLang="zh-CN" dirty="0"/>
-              <a:t>release/milestone</a:t>
-            </a:r>
-            <a:r>
-              <a:rPr lang="zh-CN" altLang="en-US" dirty="0"/>
-              <a:t>的代码</a:t>
+              <a:rPr lang="zh-CN" altLang="en-US" dirty="0" smtClean="0"/>
+              <a:t>集中化版本控制系统</a:t>
             </a:r>
             <a:endParaRPr lang="en-US" altLang="zh-CN" dirty="0" smtClean="0"/>
           </a:p>
           <a:p>
             <a:r>
-              <a:rPr lang="en-US" altLang="zh-CN" dirty="0" smtClean="0"/>
-              <a:t>Branch</a:t>
-            </a:r>
-          </a:p>
-          <a:p>
-            <a:pPr lvl="1"/>
-            <a:r>
-              <a:rPr lang="zh-CN" altLang="en-US" dirty="0"/>
-              <a:t>用于</a:t>
-            </a:r>
-            <a:r>
-              <a:rPr lang="en-US" altLang="zh-CN" dirty="0"/>
-              <a:t>bug fixing</a:t>
-            </a:r>
-          </a:p>
-          <a:p>
-            <a:pPr lvl="1"/>
+              <a:rPr lang="zh-CN" altLang="en-US" dirty="0" smtClean="0"/>
+              <a:t>分布式版本控制系统</a:t>
+            </a:r>
             <a:endParaRPr lang="en-US" altLang="zh-CN" dirty="0" smtClean="0"/>
           </a:p>
           <a:p>
-            <a:pPr marL="45720" indent="0">
-              <a:buNone/>
-            </a:pPr>
             <a:endParaRPr lang="zh-CN" altLang="en-US" dirty="0"/>
           </a:p>
         </p:txBody>
@@ -12956,7 +13512,7 @@
     </p:spTree>
     <p:extLst>
       <p:ext uri="{BB962C8B-B14F-4D97-AF65-F5344CB8AC3E}">
-        <p14:creationId xmlns:p14="http://schemas.microsoft.com/office/powerpoint/2010/main" val="4205893313"/>
+        <p14:creationId xmlns:p14="http://schemas.microsoft.com/office/powerpoint/2010/main" val="504509477"/>
       </p:ext>
     </p:extLst>
   </p:cSld>
@@ -12995,36 +13551,6 @@
           <a:chExt cx="0" cy="0"/>
         </a:xfrm>
       </p:grpSpPr>
-      <p:pic>
-        <p:nvPicPr>
-          <p:cNvPr id="4" name="图片 3"/>
-          <p:cNvPicPr>
-            <a:picLocks noChangeAspect="1"/>
-          </p:cNvPicPr>
-          <p:nvPr/>
-        </p:nvPicPr>
-        <p:blipFill>
-          <a:blip r:embed="rId3">
-            <a:extLst>
-              <a:ext uri="{28A0092B-C50C-407E-A947-70E740481C1C}">
-                <a14:useLocalDpi xmlns:a14="http://schemas.microsoft.com/office/drawing/2010/main" val="0"/>
-              </a:ext>
-            </a:extLst>
-          </a:blip>
-          <a:stretch>
-            <a:fillRect/>
-          </a:stretch>
-        </p:blipFill>
-        <p:spPr>
-          <a:xfrm>
-            <a:off x="5573486" y="1230086"/>
-            <a:ext cx="6455227" cy="5020732"/>
-          </a:xfrm>
-          <a:prstGeom prst="rect">
-            <a:avLst/>
-          </a:prstGeom>
-        </p:spPr>
-      </p:pic>
       <p:sp>
         <p:nvSpPr>
           <p:cNvPr id="2" name="标题 1"/>
@@ -13041,9 +13567,10 @@
           <a:lstStyle/>
           <a:p>
             <a:r>
-              <a:rPr lang="zh-CN" altLang="en-US" dirty="0"/>
+              <a:rPr lang="zh-CN" altLang="en-US" dirty="0" smtClean="0"/>
               <a:t>版本管理的基本概念</a:t>
             </a:r>
+            <a:endParaRPr lang="zh-CN" altLang="en-US" dirty="0"/>
           </a:p>
         </p:txBody>
       </p:sp>
@@ -13057,69 +13584,90 @@
             <p:ph idx="1"/>
           </p:nvPr>
         </p:nvSpPr>
-        <p:spPr>
-          <a:xfrm>
-            <a:off x="1341121" y="1673352"/>
-            <a:ext cx="4537165" cy="4106962"/>
-          </a:xfrm>
-        </p:spPr>
+        <p:spPr/>
         <p:txBody>
           <a:bodyPr/>
           <a:lstStyle/>
           <a:p>
+            <a:r>
+              <a:rPr lang="en-US" altLang="zh-CN" dirty="0" smtClean="0"/>
+              <a:t>Repository</a:t>
+            </a:r>
+            <a:r>
+              <a:rPr lang="zh-CN" altLang="en-US" dirty="0" smtClean="0"/>
+              <a:t>（仓库）</a:t>
+            </a:r>
+            <a:endParaRPr lang="en-US" altLang="zh-CN" dirty="0" smtClean="0"/>
+          </a:p>
+          <a:p>
+            <a:pPr lvl="1"/>
+            <a:r>
+              <a:rPr lang="zh-CN" altLang="en-US" dirty="0" smtClean="0"/>
+              <a:t>文件服务器，记录每一次变更</a:t>
+            </a:r>
+            <a:endParaRPr lang="en-US" altLang="zh-CN" dirty="0" smtClean="0"/>
+          </a:p>
+          <a:p>
+            <a:r>
+              <a:rPr lang="en-US" altLang="zh-CN" dirty="0" smtClean="0"/>
+              <a:t>Trunk</a:t>
+            </a:r>
+          </a:p>
+          <a:p>
+            <a:pPr lvl="1"/>
+            <a:r>
+              <a:rPr lang="zh-CN" altLang="en-US" dirty="0" smtClean="0"/>
+              <a:t>主方向开发，新功能添加</a:t>
+            </a:r>
+            <a:endParaRPr lang="en-US" altLang="zh-CN" dirty="0"/>
+          </a:p>
+          <a:p>
+            <a:r>
+              <a:rPr lang="en-US" altLang="zh-CN" dirty="0" smtClean="0"/>
+              <a:t>Tag</a:t>
+            </a:r>
+          </a:p>
+          <a:p>
+            <a:pPr lvl="1"/>
+            <a:r>
+              <a:rPr lang="zh-CN" altLang="en-US" dirty="0"/>
+              <a:t>用于记录和保存每个</a:t>
+            </a:r>
+            <a:r>
+              <a:rPr lang="en-US" altLang="zh-CN" dirty="0"/>
+              <a:t>release/milestone</a:t>
+            </a:r>
+            <a:r>
+              <a:rPr lang="zh-CN" altLang="en-US" dirty="0"/>
+              <a:t>的代码</a:t>
+            </a:r>
+            <a:endParaRPr lang="en-US" altLang="zh-CN" dirty="0" smtClean="0"/>
+          </a:p>
+          <a:p>
+            <a:r>
+              <a:rPr lang="en-US" altLang="zh-CN" dirty="0" smtClean="0"/>
+              <a:t>Branch</a:t>
+            </a:r>
+          </a:p>
+          <a:p>
+            <a:pPr lvl="1"/>
+            <a:r>
+              <a:rPr lang="zh-CN" altLang="en-US" dirty="0"/>
+              <a:t>用于</a:t>
+            </a:r>
+            <a:r>
+              <a:rPr lang="en-US" altLang="zh-CN" dirty="0"/>
+              <a:t>bug fixing</a:t>
+            </a:r>
+          </a:p>
+          <a:p>
+            <a:pPr lvl="1"/>
+            <a:endParaRPr lang="en-US" altLang="zh-CN" dirty="0" smtClean="0"/>
+          </a:p>
+          <a:p>
             <a:pPr marL="45720" indent="0">
-              <a:lnSpc>
-                <a:spcPct val="150000"/>
-              </a:lnSpc>
               <a:buNone/>
             </a:pPr>
-            <a:r>
-              <a:rPr lang="en-US" altLang="zh-CN" dirty="0" smtClean="0"/>
-              <a:t>1</a:t>
-            </a:r>
-            <a:r>
-              <a:rPr lang="en-US" altLang="zh-CN" dirty="0"/>
-              <a:t>. </a:t>
-            </a:r>
-            <a:r>
-              <a:rPr lang="zh-CN" altLang="en-US" dirty="0"/>
-              <a:t>在电脑任意位置创建一个存放项目代码的目录，例如：</a:t>
-            </a:r>
-            <a:r>
-              <a:rPr lang="en-US" altLang="zh-CN" dirty="0"/>
-              <a:t>D:\TortoiseSVN\Repository\Source</a:t>
-            </a:r>
-            <a:br>
-              <a:rPr lang="en-US" altLang="zh-CN" dirty="0"/>
-            </a:br>
-            <a:r>
-              <a:rPr lang="en-US" altLang="zh-CN" dirty="0"/>
-              <a:t>2. </a:t>
-            </a:r>
-            <a:r>
-              <a:rPr lang="zh-CN" altLang="en-US" dirty="0"/>
-              <a:t>将代码检出到该</a:t>
-            </a:r>
-            <a:r>
-              <a:rPr lang="zh-CN" altLang="en-US" dirty="0" smtClean="0"/>
-              <a:t>位置（</a:t>
-            </a:r>
-            <a:r>
-              <a:rPr lang="en-US" altLang="zh-CN" dirty="0"/>
-              <a:t> </a:t>
-            </a:r>
-            <a:r>
-              <a:rPr lang="en-US" altLang="zh-CN" dirty="0" err="1"/>
-              <a:t>MyAppProject</a:t>
-            </a:r>
-            <a:r>
-              <a:rPr lang="en-US" altLang="zh-CN" dirty="0"/>
-              <a:t> </a:t>
-            </a:r>
-            <a:r>
-              <a:rPr lang="zh-CN" altLang="en-US" dirty="0" smtClean="0"/>
-              <a:t>）</a:t>
-            </a:r>
             <a:endParaRPr lang="zh-CN" altLang="en-US" dirty="0"/>
           </a:p>
         </p:txBody>
@@ -13127,7 +13675,7 @@
     </p:spTree>
     <p:extLst>
       <p:ext uri="{BB962C8B-B14F-4D97-AF65-F5344CB8AC3E}">
-        <p14:creationId xmlns:p14="http://schemas.microsoft.com/office/powerpoint/2010/main" val="3400656040"/>
+        <p14:creationId xmlns:p14="http://schemas.microsoft.com/office/powerpoint/2010/main" val="4205893313"/>
       </p:ext>
     </p:extLst>
   </p:cSld>
